--- a/mockup.pptx
+++ b/mockup.pptx
@@ -68,13 +68,13 @@
         </a:solidFill>
         <a:effectLst/>
         <a:uFillTx/>
-        <a:latin typeface="+mj-lt"/>
-        <a:ea typeface="+mj-ea"/>
-        <a:cs typeface="+mj-cs"/>
-        <a:sym typeface="Gill Sans MT"/>
+        <a:latin typeface="+mn-lt"/>
+        <a:ea typeface="+mn-ea"/>
+        <a:cs typeface="+mn-cs"/>
+        <a:sym typeface="Helvetica"/>
       </a:defRPr>
     </a:lvl1pPr>
-    <a:lvl2pPr marL="0" marR="0" indent="457200" algn="l" defTabSz="457200" rtl="0" fontAlgn="auto" latinLnBrk="0" hangingPunct="0">
+    <a:lvl2pPr marL="0" marR="0" indent="0" algn="l" defTabSz="457200" rtl="0" fontAlgn="auto" latinLnBrk="0" hangingPunct="0">
       <a:lnSpc>
         <a:spcPct val="100000"/>
       </a:lnSpc>
@@ -98,13 +98,13 @@
         </a:solidFill>
         <a:effectLst/>
         <a:uFillTx/>
-        <a:latin typeface="+mj-lt"/>
-        <a:ea typeface="+mj-ea"/>
-        <a:cs typeface="+mj-cs"/>
-        <a:sym typeface="Gill Sans MT"/>
+        <a:latin typeface="+mn-lt"/>
+        <a:ea typeface="+mn-ea"/>
+        <a:cs typeface="+mn-cs"/>
+        <a:sym typeface="Helvetica"/>
       </a:defRPr>
     </a:lvl2pPr>
-    <a:lvl3pPr marL="0" marR="0" indent="914400" algn="l" defTabSz="457200" rtl="0" fontAlgn="auto" latinLnBrk="0" hangingPunct="0">
+    <a:lvl3pPr marL="0" marR="0" indent="0" algn="l" defTabSz="457200" rtl="0" fontAlgn="auto" latinLnBrk="0" hangingPunct="0">
       <a:lnSpc>
         <a:spcPct val="100000"/>
       </a:lnSpc>
@@ -128,13 +128,13 @@
         </a:solidFill>
         <a:effectLst/>
         <a:uFillTx/>
-        <a:latin typeface="+mj-lt"/>
-        <a:ea typeface="+mj-ea"/>
-        <a:cs typeface="+mj-cs"/>
-        <a:sym typeface="Gill Sans MT"/>
+        <a:latin typeface="+mn-lt"/>
+        <a:ea typeface="+mn-ea"/>
+        <a:cs typeface="+mn-cs"/>
+        <a:sym typeface="Helvetica"/>
       </a:defRPr>
     </a:lvl3pPr>
-    <a:lvl4pPr marL="0" marR="0" indent="1371600" algn="l" defTabSz="457200" rtl="0" fontAlgn="auto" latinLnBrk="0" hangingPunct="0">
+    <a:lvl4pPr marL="0" marR="0" indent="0" algn="l" defTabSz="457200" rtl="0" fontAlgn="auto" latinLnBrk="0" hangingPunct="0">
       <a:lnSpc>
         <a:spcPct val="100000"/>
       </a:lnSpc>
@@ -158,13 +158,13 @@
         </a:solidFill>
         <a:effectLst/>
         <a:uFillTx/>
-        <a:latin typeface="+mj-lt"/>
-        <a:ea typeface="+mj-ea"/>
-        <a:cs typeface="+mj-cs"/>
-        <a:sym typeface="Gill Sans MT"/>
+        <a:latin typeface="+mn-lt"/>
+        <a:ea typeface="+mn-ea"/>
+        <a:cs typeface="+mn-cs"/>
+        <a:sym typeface="Helvetica"/>
       </a:defRPr>
     </a:lvl4pPr>
-    <a:lvl5pPr marL="0" marR="0" indent="1828800" algn="l" defTabSz="457200" rtl="0" fontAlgn="auto" latinLnBrk="0" hangingPunct="0">
+    <a:lvl5pPr marL="0" marR="0" indent="0" algn="l" defTabSz="457200" rtl="0" fontAlgn="auto" latinLnBrk="0" hangingPunct="0">
       <a:lnSpc>
         <a:spcPct val="100000"/>
       </a:lnSpc>
@@ -188,13 +188,13 @@
         </a:solidFill>
         <a:effectLst/>
         <a:uFillTx/>
-        <a:latin typeface="+mj-lt"/>
-        <a:ea typeface="+mj-ea"/>
-        <a:cs typeface="+mj-cs"/>
-        <a:sym typeface="Gill Sans MT"/>
+        <a:latin typeface="+mn-lt"/>
+        <a:ea typeface="+mn-ea"/>
+        <a:cs typeface="+mn-cs"/>
+        <a:sym typeface="Helvetica"/>
       </a:defRPr>
     </a:lvl5pPr>
-    <a:lvl6pPr marL="0" marR="0" indent="2286000" algn="l" defTabSz="457200" rtl="0" fontAlgn="auto" latinLnBrk="0" hangingPunct="0">
+    <a:lvl6pPr marL="0" marR="0" indent="0" algn="l" defTabSz="457200" rtl="0" fontAlgn="auto" latinLnBrk="0" hangingPunct="0">
       <a:lnSpc>
         <a:spcPct val="100000"/>
       </a:lnSpc>
@@ -218,13 +218,13 @@
         </a:solidFill>
         <a:effectLst/>
         <a:uFillTx/>
-        <a:latin typeface="+mj-lt"/>
-        <a:ea typeface="+mj-ea"/>
-        <a:cs typeface="+mj-cs"/>
-        <a:sym typeface="Gill Sans MT"/>
+        <a:latin typeface="+mn-lt"/>
+        <a:ea typeface="+mn-ea"/>
+        <a:cs typeface="+mn-cs"/>
+        <a:sym typeface="Helvetica"/>
       </a:defRPr>
     </a:lvl6pPr>
-    <a:lvl7pPr marL="0" marR="0" indent="2743200" algn="l" defTabSz="457200" rtl="0" fontAlgn="auto" latinLnBrk="0" hangingPunct="0">
+    <a:lvl7pPr marL="0" marR="0" indent="0" algn="l" defTabSz="457200" rtl="0" fontAlgn="auto" latinLnBrk="0" hangingPunct="0">
       <a:lnSpc>
         <a:spcPct val="100000"/>
       </a:lnSpc>
@@ -248,13 +248,13 @@
         </a:solidFill>
         <a:effectLst/>
         <a:uFillTx/>
-        <a:latin typeface="+mj-lt"/>
-        <a:ea typeface="+mj-ea"/>
-        <a:cs typeface="+mj-cs"/>
-        <a:sym typeface="Gill Sans MT"/>
+        <a:latin typeface="+mn-lt"/>
+        <a:ea typeface="+mn-ea"/>
+        <a:cs typeface="+mn-cs"/>
+        <a:sym typeface="Helvetica"/>
       </a:defRPr>
     </a:lvl7pPr>
-    <a:lvl8pPr marL="0" marR="0" indent="3200400" algn="l" defTabSz="457200" rtl="0" fontAlgn="auto" latinLnBrk="0" hangingPunct="0">
+    <a:lvl8pPr marL="0" marR="0" indent="0" algn="l" defTabSz="457200" rtl="0" fontAlgn="auto" latinLnBrk="0" hangingPunct="0">
       <a:lnSpc>
         <a:spcPct val="100000"/>
       </a:lnSpc>
@@ -278,13 +278,13 @@
         </a:solidFill>
         <a:effectLst/>
         <a:uFillTx/>
-        <a:latin typeface="+mj-lt"/>
-        <a:ea typeface="+mj-ea"/>
-        <a:cs typeface="+mj-cs"/>
-        <a:sym typeface="Gill Sans MT"/>
+        <a:latin typeface="+mn-lt"/>
+        <a:ea typeface="+mn-ea"/>
+        <a:cs typeface="+mn-cs"/>
+        <a:sym typeface="Helvetica"/>
       </a:defRPr>
     </a:lvl8pPr>
-    <a:lvl9pPr marL="0" marR="0" indent="3657600" algn="l" defTabSz="457200" rtl="0" fontAlgn="auto" latinLnBrk="0" hangingPunct="0">
+    <a:lvl9pPr marL="0" marR="0" indent="0" algn="l" defTabSz="457200" rtl="0" fontAlgn="auto" latinLnBrk="0" hangingPunct="0">
       <a:lnSpc>
         <a:spcPct val="100000"/>
       </a:lnSpc>
@@ -308,10 +308,10 @@
         </a:solidFill>
         <a:effectLst/>
         <a:uFillTx/>
-        <a:latin typeface="+mj-lt"/>
-        <a:ea typeface="+mj-ea"/>
-        <a:cs typeface="+mj-cs"/>
-        <a:sym typeface="Gill Sans MT"/>
+        <a:latin typeface="+mn-lt"/>
+        <a:ea typeface="+mn-ea"/>
+        <a:cs typeface="+mn-cs"/>
+        <a:sym typeface="Helvetica"/>
       </a:defRPr>
     </a:lvl9pPr>
   </p:defaultTextStyle>
@@ -488,14 +488,14 @@
       </p:grpSpPr>
       <p:sp>
         <p:nvSpPr>
-          <p:cNvPr id="14" name="Rectangle 7"/>
+          <p:cNvPr id="15" name="Rectangle 7"/>
           <p:cNvSpPr/>
           <p:nvPr/>
         </p:nvSpPr>
         <p:spPr>
           <a:xfrm>
-            <a:off x="0" y="2019475"/>
-            <a:ext cx="12192000" cy="4105941"/>
+            <a:off x="0" y="2019474"/>
+            <a:ext cx="12192000" cy="4105942"/>
           </a:xfrm>
           <a:prstGeom prst="rect">
             <a:avLst/>
@@ -518,16 +518,23 @@
           </a:ln>
         </p:spPr>
         <p:txBody>
-          <a:bodyPr lIns="45719" rIns="45719"/>
+          <a:bodyPr lIns="45718" tIns="45718" rIns="45718" bIns="45718"/>
           <a:lstStyle/>
           <a:p>
-            <a:pPr/>
+            <a:pPr>
+              <a:defRPr>
+                <a:latin typeface="+mj-lt"/>
+                <a:ea typeface="+mj-ea"/>
+                <a:cs typeface="+mj-cs"/>
+                <a:sym typeface="Gill Sans MT"/>
+              </a:defRPr>
+            </a:pPr>
           </a:p>
         </p:txBody>
       </p:sp>
       <p:pic>
         <p:nvPicPr>
-          <p:cNvPr id="15" name="Picture 6" descr="Picture 6"/>
+          <p:cNvPr id="16" name="Picture 6" descr="Picture 6"/>
           <p:cNvPicPr>
             <a:picLocks noChangeAspect="1"/>
           </p:cNvPicPr>
@@ -545,7 +552,7 @@
         <p:spPr>
           <a:xfrm>
             <a:off x="0" y="6126479"/>
-            <a:ext cx="12192000" cy="731525"/>
+            <a:ext cx="12192000" cy="731526"/>
           </a:xfrm>
           <a:prstGeom prst="rect">
             <a:avLst/>
@@ -557,14 +564,14 @@
       </p:pic>
       <p:sp>
         <p:nvSpPr>
-          <p:cNvPr id="16" name="Straight Connector 9"/>
+          <p:cNvPr id="17" name="Straight Connector 9"/>
           <p:cNvSpPr/>
           <p:nvPr/>
         </p:nvSpPr>
         <p:spPr>
           <a:xfrm>
-            <a:off x="0" y="6128413"/>
-            <a:ext cx="12192001" cy="1"/>
+            <a:off x="-1" y="6128413"/>
+            <a:ext cx="12192002" cy="2"/>
           </a:xfrm>
           <a:prstGeom prst="line">
             <a:avLst/>
@@ -578,7 +585,7 @@
           </a:ln>
         </p:spPr>
         <p:txBody>
-          <a:bodyPr lIns="45719" rIns="45719"/>
+          <a:bodyPr lIns="45718" tIns="45718" rIns="45718" bIns="45718"/>
           <a:lstStyle/>
           <a:p>
             <a:pPr/>
@@ -587,7 +594,7 @@
       </p:sp>
       <p:sp>
         <p:nvSpPr>
-          <p:cNvPr id="17" name="Title Text"/>
+          <p:cNvPr id="18" name="Title Text"/>
           <p:cNvSpPr txBox="1"/>
           <p:nvPr>
             <p:ph type="title"/>
@@ -596,7 +603,7 @@
         <p:spPr>
           <a:xfrm>
             <a:off x="2417778" y="802297"/>
-            <a:ext cx="8637074" cy="2541432"/>
+            <a:ext cx="8637075" cy="2541433"/>
           </a:xfrm>
           <a:prstGeom prst="rect">
             <a:avLst/>
@@ -619,7 +626,7 @@
       </p:sp>
       <p:sp>
         <p:nvSpPr>
-          <p:cNvPr id="18" name="Body Level One…"/>
+          <p:cNvPr id="19" name="Body Level One…"/>
           <p:cNvSpPr txBox="1"/>
           <p:nvPr>
             <p:ph type="body" sz="quarter" idx="1"/>
@@ -627,15 +634,15 @@
         </p:nvSpPr>
         <p:spPr>
           <a:xfrm>
-            <a:off x="2417779" y="3531203"/>
-            <a:ext cx="8637073" cy="977622"/>
-          </a:xfrm>
-          <a:prstGeom prst="rect">
-            <a:avLst/>
-          </a:prstGeom>
-        </p:spPr>
-        <p:txBody>
-          <a:bodyPr lIns="91439" tIns="91439" rIns="91439" bIns="91439"/>
+            <a:off x="2417778" y="3531203"/>
+            <a:ext cx="8637074" cy="977623"/>
+          </a:xfrm>
+          <a:prstGeom prst="rect">
+            <a:avLst/>
+          </a:prstGeom>
+        </p:spPr>
+        <p:txBody>
+          <a:bodyPr lIns="91438" tIns="91438" rIns="91438" bIns="91438"/>
           <a:lstStyle>
             <a:lvl1pPr marL="0" indent="0">
               <a:buClrTx/>
@@ -644,28 +651,28 @@
               <a:buNone/>
               <a:defRPr cap="all" sz="1800"/>
             </a:lvl1pPr>
-            <a:lvl2pPr marL="0" indent="457200">
+            <a:lvl2pPr marL="0" indent="0">
               <a:buClrTx/>
               <a:buSzTx/>
               <a:buFontTx/>
               <a:buNone/>
               <a:defRPr cap="all" sz="1800"/>
             </a:lvl2pPr>
-            <a:lvl3pPr marL="0" indent="914400">
+            <a:lvl3pPr marL="0" indent="0">
               <a:buClrTx/>
               <a:buSzTx/>
               <a:buFontTx/>
               <a:buNone/>
               <a:defRPr cap="all" sz="1800"/>
             </a:lvl3pPr>
-            <a:lvl4pPr marL="0" indent="1371600">
+            <a:lvl4pPr marL="0" indent="0">
               <a:buClrTx/>
               <a:buSzTx/>
               <a:buFontTx/>
               <a:buNone/>
               <a:defRPr cap="all" sz="1800"/>
             </a:lvl4pPr>
-            <a:lvl5pPr marL="0" indent="1828800">
+            <a:lvl5pPr marL="0" indent="0">
               <a:buClrTx/>
               <a:buSzTx/>
               <a:buFontTx/>
@@ -707,14 +714,14 @@
       </p:sp>
       <p:sp>
         <p:nvSpPr>
-          <p:cNvPr id="19" name="Straight Connector 14"/>
+          <p:cNvPr id="20" name="Straight Connector 14"/>
           <p:cNvSpPr/>
           <p:nvPr/>
         </p:nvSpPr>
         <p:spPr>
           <a:xfrm>
-            <a:off x="2417779" y="3528541"/>
-            <a:ext cx="8637074" cy="1"/>
+            <a:off x="2417778" y="3528540"/>
+            <a:ext cx="8637075" cy="2"/>
           </a:xfrm>
           <a:prstGeom prst="line">
             <a:avLst/>
@@ -726,7 +733,7 @@
           </a:ln>
         </p:spPr>
         <p:txBody>
-          <a:bodyPr lIns="45719" rIns="45719"/>
+          <a:bodyPr lIns="45718" tIns="45718" rIns="45718" bIns="45718"/>
           <a:lstStyle/>
           <a:p>
             <a:pPr/>
@@ -735,7 +742,7 @@
       </p:sp>
       <p:sp>
         <p:nvSpPr>
-          <p:cNvPr id="20" name="Slide Number"/>
+          <p:cNvPr id="21" name="Slide Number"/>
           <p:cNvSpPr txBox="1"/>
           <p:nvPr>
             <p:ph type="sldNum" sz="quarter" idx="2"/>
@@ -743,8 +750,8 @@
         </p:nvSpPr>
         <p:spPr>
           <a:xfrm>
-            <a:off x="1749007" y="798972"/>
-            <a:ext cx="499676" cy="523241"/>
+            <a:off x="1749009" y="798972"/>
+            <a:ext cx="499674" cy="523239"/>
           </a:xfrm>
           <a:prstGeom prst="rect">
             <a:avLst/>
@@ -793,8 +800,8 @@
         </p:nvSpPr>
         <p:spPr>
           <a:xfrm>
-            <a:off x="0" y="2019475"/>
-            <a:ext cx="12192000" cy="4105941"/>
+            <a:off x="0" y="2019474"/>
+            <a:ext cx="12192000" cy="4105942"/>
           </a:xfrm>
           <a:prstGeom prst="rect">
             <a:avLst/>
@@ -817,10 +824,17 @@
           </a:ln>
         </p:spPr>
         <p:txBody>
-          <a:bodyPr lIns="45719" rIns="45719"/>
+          <a:bodyPr lIns="45718" tIns="45718" rIns="45718" bIns="45718"/>
           <a:lstStyle/>
           <a:p>
-            <a:pPr/>
+            <a:pPr>
+              <a:defRPr>
+                <a:latin typeface="+mj-lt"/>
+                <a:ea typeface="+mj-ea"/>
+                <a:cs typeface="+mj-cs"/>
+                <a:sym typeface="Gill Sans MT"/>
+              </a:defRPr>
+            </a:pPr>
           </a:p>
         </p:txBody>
       </p:sp>
@@ -844,7 +858,7 @@
         <p:spPr>
           <a:xfrm>
             <a:off x="0" y="6126479"/>
-            <a:ext cx="12192000" cy="731525"/>
+            <a:ext cx="12192000" cy="731526"/>
           </a:xfrm>
           <a:prstGeom prst="rect">
             <a:avLst/>
@@ -862,8 +876,8 @@
         </p:nvSpPr>
         <p:spPr>
           <a:xfrm>
-            <a:off x="0" y="6128413"/>
-            <a:ext cx="12192001" cy="1"/>
+            <a:off x="-1" y="6128413"/>
+            <a:ext cx="12192002" cy="2"/>
           </a:xfrm>
           <a:prstGeom prst="line">
             <a:avLst/>
@@ -877,7 +891,7 @@
           </a:ln>
         </p:spPr>
         <p:txBody>
-          <a:bodyPr lIns="45719" rIns="45719"/>
+          <a:bodyPr lIns="45718" tIns="45718" rIns="45718" bIns="45718"/>
           <a:lstStyle/>
           <a:p>
             <a:pPr/>
@@ -893,10 +907,6 @@
           </p:nvPr>
         </p:nvSpPr>
         <p:spPr>
-          <a:xfrm>
-            <a:off x="1451579" y="804519"/>
-            <a:ext cx="9603276" cy="1049236"/>
-          </a:xfrm>
           <a:prstGeom prst="rect">
             <a:avLst/>
           </a:prstGeom>
@@ -923,7 +933,7 @@
         <p:spPr>
           <a:xfrm>
             <a:off x="1451579" y="2015732"/>
-            <a:ext cx="9603276" cy="3450614"/>
+            <a:ext cx="9603276" cy="3450615"/>
           </a:xfrm>
           <a:prstGeom prst="rect">
             <a:avLst/>
@@ -973,7 +983,7 @@
         <p:spPr>
           <a:xfrm>
             <a:off x="1453895" y="1847088"/>
-            <a:ext cx="9607524" cy="1"/>
+            <a:ext cx="9607524" cy="2"/>
           </a:xfrm>
           <a:prstGeom prst="line">
             <a:avLst/>
@@ -985,7 +995,7 @@
           </a:ln>
         </p:spPr>
         <p:txBody>
-          <a:bodyPr lIns="45719" rIns="45719"/>
+          <a:bodyPr lIns="45718" tIns="45718" rIns="45718" bIns="45718"/>
           <a:lstStyle/>
           <a:p>
             <a:pPr/>
@@ -1048,8 +1058,8 @@
         </p:nvSpPr>
         <p:spPr>
           <a:xfrm>
-            <a:off x="0" y="2019475"/>
-            <a:ext cx="12192000" cy="4105941"/>
+            <a:off x="0" y="2019474"/>
+            <a:ext cx="12192000" cy="4105942"/>
           </a:xfrm>
           <a:prstGeom prst="rect">
             <a:avLst/>
@@ -1072,10 +1082,17 @@
           </a:ln>
         </p:spPr>
         <p:txBody>
-          <a:bodyPr lIns="45719" rIns="45719"/>
+          <a:bodyPr lIns="45718" tIns="45718" rIns="45718" bIns="45718"/>
           <a:lstStyle/>
           <a:p>
-            <a:pPr/>
+            <a:pPr>
+              <a:defRPr>
+                <a:latin typeface="+mj-lt"/>
+                <a:ea typeface="+mj-ea"/>
+                <a:cs typeface="+mj-cs"/>
+                <a:sym typeface="Gill Sans MT"/>
+              </a:defRPr>
+            </a:pPr>
           </a:p>
         </p:txBody>
       </p:sp>
@@ -1099,7 +1116,7 @@
         <p:spPr>
           <a:xfrm>
             <a:off x="0" y="6126479"/>
-            <a:ext cx="12192000" cy="731525"/>
+            <a:ext cx="12192000" cy="731526"/>
           </a:xfrm>
           <a:prstGeom prst="rect">
             <a:avLst/>
@@ -1117,8 +1134,8 @@
         </p:nvSpPr>
         <p:spPr>
           <a:xfrm>
-            <a:off x="0" y="6128413"/>
-            <a:ext cx="12192001" cy="1"/>
+            <a:off x="-1" y="6128413"/>
+            <a:ext cx="12192002" cy="2"/>
           </a:xfrm>
           <a:prstGeom prst="line">
             <a:avLst/>
@@ -1132,7 +1149,7 @@
           </a:ln>
         </p:spPr>
         <p:txBody>
-          <a:bodyPr lIns="45719" rIns="45719"/>
+          <a:bodyPr lIns="45718" tIns="45718" rIns="45718" bIns="45718"/>
           <a:lstStyle/>
           <a:p>
             <a:pPr/>
@@ -1149,8 +1166,8 @@
         </p:nvSpPr>
         <p:spPr>
           <a:xfrm>
-            <a:off x="9439110" y="798972"/>
-            <a:ext cx="1615743" cy="4659890"/>
+            <a:off x="9439109" y="798972"/>
+            <a:ext cx="1615744" cy="4659891"/>
           </a:xfrm>
           <a:prstGeom prst="rect">
             <a:avLst/>
@@ -1178,7 +1195,7 @@
         <p:spPr>
           <a:xfrm>
             <a:off x="1444671" y="798972"/>
-            <a:ext cx="7828831" cy="4659890"/>
+            <a:ext cx="7828831" cy="4659891"/>
           </a:xfrm>
           <a:prstGeom prst="rect">
             <a:avLst/>
@@ -1227,8 +1244,8 @@
         </p:nvSpPr>
         <p:spPr>
           <a:xfrm flipH="1">
-            <a:off x="9439110" y="798973"/>
-            <a:ext cx="1" cy="4659889"/>
+            <a:off x="9439109" y="798973"/>
+            <a:ext cx="2" cy="4659889"/>
           </a:xfrm>
           <a:prstGeom prst="line">
             <a:avLst/>
@@ -1240,7 +1257,7 @@
           </a:ln>
         </p:spPr>
         <p:txBody>
-          <a:bodyPr lIns="45719" rIns="45719"/>
+          <a:bodyPr lIns="45718" tIns="45718" rIns="45718" bIns="45718"/>
           <a:lstStyle/>
           <a:p>
             <a:pPr/>
@@ -1297,14 +1314,14 @@
       </p:grpSpPr>
       <p:sp>
         <p:nvSpPr>
-          <p:cNvPr id="27" name="Rectangle 7"/>
+          <p:cNvPr id="28" name="Rectangle 7"/>
           <p:cNvSpPr/>
           <p:nvPr/>
         </p:nvSpPr>
         <p:spPr>
           <a:xfrm>
-            <a:off x="0" y="2019475"/>
-            <a:ext cx="12192000" cy="4105941"/>
+            <a:off x="0" y="2019474"/>
+            <a:ext cx="12192000" cy="4105942"/>
           </a:xfrm>
           <a:prstGeom prst="rect">
             <a:avLst/>
@@ -1327,16 +1344,23 @@
           </a:ln>
         </p:spPr>
         <p:txBody>
-          <a:bodyPr lIns="45719" rIns="45719"/>
+          <a:bodyPr lIns="45718" tIns="45718" rIns="45718" bIns="45718"/>
           <a:lstStyle/>
           <a:p>
-            <a:pPr/>
+            <a:pPr>
+              <a:defRPr>
+                <a:latin typeface="+mj-lt"/>
+                <a:ea typeface="+mj-ea"/>
+                <a:cs typeface="+mj-cs"/>
+                <a:sym typeface="Gill Sans MT"/>
+              </a:defRPr>
+            </a:pPr>
           </a:p>
         </p:txBody>
       </p:sp>
       <p:pic>
         <p:nvPicPr>
-          <p:cNvPr id="28" name="Picture 6" descr="Picture 6"/>
+          <p:cNvPr id="29" name="Picture 6" descr="Picture 6"/>
           <p:cNvPicPr>
             <a:picLocks noChangeAspect="1"/>
           </p:cNvPicPr>
@@ -1354,7 +1378,7 @@
         <p:spPr>
           <a:xfrm>
             <a:off x="0" y="6126479"/>
-            <a:ext cx="12192000" cy="731525"/>
+            <a:ext cx="12192000" cy="731526"/>
           </a:xfrm>
           <a:prstGeom prst="rect">
             <a:avLst/>
@@ -1366,14 +1390,14 @@
       </p:pic>
       <p:sp>
         <p:nvSpPr>
-          <p:cNvPr id="29" name="Straight Connector 9"/>
+          <p:cNvPr id="30" name="Straight Connector 9"/>
           <p:cNvSpPr/>
           <p:nvPr/>
         </p:nvSpPr>
         <p:spPr>
           <a:xfrm>
-            <a:off x="0" y="6128413"/>
-            <a:ext cx="12192001" cy="1"/>
+            <a:off x="-1" y="6128413"/>
+            <a:ext cx="12192002" cy="2"/>
           </a:xfrm>
           <a:prstGeom prst="line">
             <a:avLst/>
@@ -1387,7 +1411,7 @@
           </a:ln>
         </p:spPr>
         <p:txBody>
-          <a:bodyPr lIns="45719" rIns="45719"/>
+          <a:bodyPr lIns="45718" tIns="45718" rIns="45718" bIns="45718"/>
           <a:lstStyle/>
           <a:p>
             <a:pPr/>
@@ -1396,17 +1420,13 @@
       </p:sp>
       <p:sp>
         <p:nvSpPr>
-          <p:cNvPr id="30" name="Title Text"/>
+          <p:cNvPr id="31" name="Title Text"/>
           <p:cNvSpPr txBox="1"/>
           <p:nvPr>
             <p:ph type="title"/>
           </p:nvPr>
         </p:nvSpPr>
         <p:spPr>
-          <a:xfrm>
-            <a:off x="1451579" y="804519"/>
-            <a:ext cx="9603276" cy="1049236"/>
-          </a:xfrm>
           <a:prstGeom prst="rect">
             <a:avLst/>
           </a:prstGeom>
@@ -1424,7 +1444,7 @@
       </p:sp>
       <p:sp>
         <p:nvSpPr>
-          <p:cNvPr id="31" name="Body Level One…"/>
+          <p:cNvPr id="32" name="Body Level One…"/>
           <p:cNvSpPr txBox="1"/>
           <p:nvPr>
             <p:ph type="body" sz="half" idx="1"/>
@@ -1433,7 +1453,7 @@
         <p:spPr>
           <a:xfrm>
             <a:off x="1451579" y="2015732"/>
-            <a:ext cx="9603276" cy="3450614"/>
+            <a:ext cx="9603276" cy="3450615"/>
           </a:xfrm>
           <a:prstGeom prst="rect">
             <a:avLst/>
@@ -1476,14 +1496,14 @@
       </p:sp>
       <p:sp>
         <p:nvSpPr>
-          <p:cNvPr id="32" name="Straight Connector 32"/>
+          <p:cNvPr id="33" name="Straight Connector 32"/>
           <p:cNvSpPr/>
           <p:nvPr/>
         </p:nvSpPr>
         <p:spPr>
           <a:xfrm>
             <a:off x="1453895" y="1847088"/>
-            <a:ext cx="9607524" cy="1"/>
+            <a:ext cx="9607524" cy="2"/>
           </a:xfrm>
           <a:prstGeom prst="line">
             <a:avLst/>
@@ -1495,7 +1515,7 @@
           </a:ln>
         </p:spPr>
         <p:txBody>
-          <a:bodyPr lIns="45719" rIns="45719"/>
+          <a:bodyPr lIns="45718" tIns="45718" rIns="45718" bIns="45718"/>
           <a:lstStyle/>
           <a:p>
             <a:pPr/>
@@ -1504,7 +1524,7 @@
       </p:sp>
       <p:sp>
         <p:nvSpPr>
-          <p:cNvPr id="33" name="Slide Number"/>
+          <p:cNvPr id="34" name="Slide Number"/>
           <p:cNvSpPr txBox="1"/>
           <p:nvPr>
             <p:ph type="sldNum" sz="quarter" idx="2"/>
@@ -1552,14 +1572,14 @@
       </p:grpSpPr>
       <p:sp>
         <p:nvSpPr>
-          <p:cNvPr id="40" name="Rectangle 7"/>
+          <p:cNvPr id="41" name="Rectangle 7"/>
           <p:cNvSpPr/>
           <p:nvPr/>
         </p:nvSpPr>
         <p:spPr>
           <a:xfrm>
-            <a:off x="0" y="2019475"/>
-            <a:ext cx="12192000" cy="4105941"/>
+            <a:off x="0" y="2019474"/>
+            <a:ext cx="12192000" cy="4105942"/>
           </a:xfrm>
           <a:prstGeom prst="rect">
             <a:avLst/>
@@ -1582,16 +1602,23 @@
           </a:ln>
         </p:spPr>
         <p:txBody>
-          <a:bodyPr lIns="45719" rIns="45719"/>
+          <a:bodyPr lIns="45718" tIns="45718" rIns="45718" bIns="45718"/>
           <a:lstStyle/>
           <a:p>
-            <a:pPr/>
+            <a:pPr>
+              <a:defRPr>
+                <a:latin typeface="+mj-lt"/>
+                <a:ea typeface="+mj-ea"/>
+                <a:cs typeface="+mj-cs"/>
+                <a:sym typeface="Gill Sans MT"/>
+              </a:defRPr>
+            </a:pPr>
           </a:p>
         </p:txBody>
       </p:sp>
       <p:pic>
         <p:nvPicPr>
-          <p:cNvPr id="41" name="Picture 6" descr="Picture 6"/>
+          <p:cNvPr id="42" name="Picture 6" descr="Picture 6"/>
           <p:cNvPicPr>
             <a:picLocks noChangeAspect="1"/>
           </p:cNvPicPr>
@@ -1609,7 +1636,7 @@
         <p:spPr>
           <a:xfrm>
             <a:off x="0" y="6126479"/>
-            <a:ext cx="12192000" cy="731525"/>
+            <a:ext cx="12192000" cy="731526"/>
           </a:xfrm>
           <a:prstGeom prst="rect">
             <a:avLst/>
@@ -1621,14 +1648,14 @@
       </p:pic>
       <p:sp>
         <p:nvSpPr>
-          <p:cNvPr id="42" name="Straight Connector 9"/>
+          <p:cNvPr id="43" name="Straight Connector 9"/>
           <p:cNvSpPr/>
           <p:nvPr/>
         </p:nvSpPr>
         <p:spPr>
           <a:xfrm>
-            <a:off x="0" y="6128413"/>
-            <a:ext cx="12192001" cy="1"/>
+            <a:off x="-1" y="6128413"/>
+            <a:ext cx="12192002" cy="2"/>
           </a:xfrm>
           <a:prstGeom prst="line">
             <a:avLst/>
@@ -1642,7 +1669,7 @@
           </a:ln>
         </p:spPr>
         <p:txBody>
-          <a:bodyPr lIns="45719" rIns="45719"/>
+          <a:bodyPr lIns="45718" tIns="45718" rIns="45718" bIns="45718"/>
           <a:lstStyle/>
           <a:p>
             <a:pPr/>
@@ -1651,7 +1678,7 @@
       </p:sp>
       <p:sp>
         <p:nvSpPr>
-          <p:cNvPr id="43" name="Title Text"/>
+          <p:cNvPr id="44" name="Title Text"/>
           <p:cNvSpPr txBox="1"/>
           <p:nvPr>
             <p:ph type="title"/>
@@ -1660,7 +1687,7 @@
         <p:spPr>
           <a:xfrm>
             <a:off x="1454239" y="1756130"/>
-            <a:ext cx="8643154" cy="1887951"/>
+            <a:ext cx="8643154" cy="1887952"/>
           </a:xfrm>
           <a:prstGeom prst="rect">
             <a:avLst/>
@@ -1683,7 +1710,7 @@
       </p:sp>
       <p:sp>
         <p:nvSpPr>
-          <p:cNvPr id="44" name="Body Level One…"/>
+          <p:cNvPr id="45" name="Body Level One…"/>
           <p:cNvSpPr txBox="1"/>
           <p:nvPr>
             <p:ph type="body" sz="quarter" idx="1"/>
@@ -1692,7 +1719,7 @@
         <p:spPr>
           <a:xfrm>
             <a:off x="1454239" y="3806195"/>
-            <a:ext cx="8630447" cy="1012930"/>
+            <a:ext cx="8630447" cy="1012931"/>
           </a:xfrm>
           <a:prstGeom prst="rect">
             <a:avLst/>
@@ -1708,28 +1735,28 @@
               <a:buNone/>
               <a:defRPr sz="1800"/>
             </a:lvl1pPr>
-            <a:lvl2pPr marL="0" indent="457200">
+            <a:lvl2pPr marL="0" indent="0">
               <a:buClrTx/>
               <a:buSzTx/>
               <a:buFontTx/>
               <a:buNone/>
               <a:defRPr sz="1800"/>
             </a:lvl2pPr>
-            <a:lvl3pPr marL="0" indent="914400">
+            <a:lvl3pPr marL="0" indent="0">
               <a:buClrTx/>
               <a:buSzTx/>
               <a:buFontTx/>
               <a:buNone/>
               <a:defRPr sz="1800"/>
             </a:lvl3pPr>
-            <a:lvl4pPr marL="0" indent="1371600">
+            <a:lvl4pPr marL="0" indent="0">
               <a:buClrTx/>
               <a:buSzTx/>
               <a:buFontTx/>
               <a:buNone/>
               <a:defRPr sz="1800"/>
             </a:lvl4pPr>
-            <a:lvl5pPr marL="0" indent="1828800">
+            <a:lvl5pPr marL="0" indent="0">
               <a:buClrTx/>
               <a:buSzTx/>
               <a:buFontTx/>
@@ -1771,14 +1798,14 @@
       </p:sp>
       <p:sp>
         <p:nvSpPr>
-          <p:cNvPr id="45" name="Straight Connector 14"/>
+          <p:cNvPr id="46" name="Straight Connector 14"/>
           <p:cNvSpPr/>
           <p:nvPr/>
         </p:nvSpPr>
         <p:spPr>
           <a:xfrm>
             <a:off x="1454239" y="3804985"/>
-            <a:ext cx="8630447" cy="1"/>
+            <a:ext cx="8630448" cy="2"/>
           </a:xfrm>
           <a:prstGeom prst="line">
             <a:avLst/>
@@ -1790,7 +1817,7 @@
           </a:ln>
         </p:spPr>
         <p:txBody>
-          <a:bodyPr lIns="45719" rIns="45719"/>
+          <a:bodyPr lIns="45718" tIns="45718" rIns="45718" bIns="45718"/>
           <a:lstStyle/>
           <a:p>
             <a:pPr/>
@@ -1799,7 +1826,7 @@
       </p:sp>
       <p:sp>
         <p:nvSpPr>
-          <p:cNvPr id="46" name="Slide Number"/>
+          <p:cNvPr id="47" name="Slide Number"/>
           <p:cNvSpPr txBox="1"/>
           <p:nvPr>
             <p:ph type="sldNum" sz="quarter" idx="2"/>
@@ -1847,14 +1874,14 @@
       </p:grpSpPr>
       <p:sp>
         <p:nvSpPr>
-          <p:cNvPr id="53" name="Rectangle 7"/>
+          <p:cNvPr id="54" name="Rectangle 7"/>
           <p:cNvSpPr/>
           <p:nvPr/>
         </p:nvSpPr>
         <p:spPr>
           <a:xfrm>
-            <a:off x="0" y="2019475"/>
-            <a:ext cx="12192000" cy="4105941"/>
+            <a:off x="0" y="2019474"/>
+            <a:ext cx="12192000" cy="4105942"/>
           </a:xfrm>
           <a:prstGeom prst="rect">
             <a:avLst/>
@@ -1877,16 +1904,23 @@
           </a:ln>
         </p:spPr>
         <p:txBody>
-          <a:bodyPr lIns="45719" rIns="45719"/>
+          <a:bodyPr lIns="45718" tIns="45718" rIns="45718" bIns="45718"/>
           <a:lstStyle/>
           <a:p>
-            <a:pPr/>
+            <a:pPr>
+              <a:defRPr>
+                <a:latin typeface="+mj-lt"/>
+                <a:ea typeface="+mj-ea"/>
+                <a:cs typeface="+mj-cs"/>
+                <a:sym typeface="Gill Sans MT"/>
+              </a:defRPr>
+            </a:pPr>
           </a:p>
         </p:txBody>
       </p:sp>
       <p:pic>
         <p:nvPicPr>
-          <p:cNvPr id="54" name="Picture 6" descr="Picture 6"/>
+          <p:cNvPr id="55" name="Picture 6" descr="Picture 6"/>
           <p:cNvPicPr>
             <a:picLocks noChangeAspect="1"/>
           </p:cNvPicPr>
@@ -1904,7 +1938,7 @@
         <p:spPr>
           <a:xfrm>
             <a:off x="0" y="6126479"/>
-            <a:ext cx="12192000" cy="731525"/>
+            <a:ext cx="12192000" cy="731526"/>
           </a:xfrm>
           <a:prstGeom prst="rect">
             <a:avLst/>
@@ -1916,14 +1950,14 @@
       </p:pic>
       <p:sp>
         <p:nvSpPr>
-          <p:cNvPr id="55" name="Straight Connector 9"/>
+          <p:cNvPr id="56" name="Straight Connector 9"/>
           <p:cNvSpPr/>
           <p:nvPr/>
         </p:nvSpPr>
         <p:spPr>
           <a:xfrm>
-            <a:off x="0" y="6128413"/>
-            <a:ext cx="12192001" cy="1"/>
+            <a:off x="-1" y="6128413"/>
+            <a:ext cx="12192002" cy="2"/>
           </a:xfrm>
           <a:prstGeom prst="line">
             <a:avLst/>
@@ -1937,7 +1971,7 @@
           </a:ln>
         </p:spPr>
         <p:txBody>
-          <a:bodyPr lIns="45719" rIns="45719"/>
+          <a:bodyPr lIns="45718" tIns="45718" rIns="45718" bIns="45718"/>
           <a:lstStyle/>
           <a:p>
             <a:pPr/>
@@ -1946,7 +1980,7 @@
       </p:sp>
       <p:sp>
         <p:nvSpPr>
-          <p:cNvPr id="56" name="Title Text"/>
+          <p:cNvPr id="57" name="Title Text"/>
           <p:cNvSpPr txBox="1"/>
           <p:nvPr>
             <p:ph type="title"/>
@@ -1954,8 +1988,8 @@
         </p:nvSpPr>
         <p:spPr>
           <a:xfrm>
-            <a:off x="1449216" y="804889"/>
-            <a:ext cx="9605636" cy="1059306"/>
+            <a:off x="1449215" y="804889"/>
+            <a:ext cx="9605638" cy="1059306"/>
           </a:xfrm>
           <a:prstGeom prst="rect">
             <a:avLst/>
@@ -1974,7 +2008,7 @@
       </p:sp>
       <p:sp>
         <p:nvSpPr>
-          <p:cNvPr id="57" name="Body Level One…"/>
+          <p:cNvPr id="58" name="Body Level One…"/>
           <p:cNvSpPr txBox="1"/>
           <p:nvPr>
             <p:ph type="body" sz="quarter" idx="1"/>
@@ -2026,14 +2060,14 @@
       </p:sp>
       <p:sp>
         <p:nvSpPr>
-          <p:cNvPr id="58" name="Straight Connector 34"/>
+          <p:cNvPr id="59" name="Straight Connector 34"/>
           <p:cNvSpPr/>
           <p:nvPr/>
         </p:nvSpPr>
         <p:spPr>
           <a:xfrm>
             <a:off x="1453895" y="1847088"/>
-            <a:ext cx="9607524" cy="1"/>
+            <a:ext cx="9607524" cy="2"/>
           </a:xfrm>
           <a:prstGeom prst="line">
             <a:avLst/>
@@ -2045,7 +2079,7 @@
           </a:ln>
         </p:spPr>
         <p:txBody>
-          <a:bodyPr lIns="45719" rIns="45719"/>
+          <a:bodyPr lIns="45718" tIns="45718" rIns="45718" bIns="45718"/>
           <a:lstStyle/>
           <a:p>
             <a:pPr/>
@@ -2054,7 +2088,7 @@
       </p:sp>
       <p:sp>
         <p:nvSpPr>
-          <p:cNvPr id="59" name="Slide Number"/>
+          <p:cNvPr id="60" name="Slide Number"/>
           <p:cNvSpPr txBox="1"/>
           <p:nvPr>
             <p:ph type="sldNum" sz="quarter" idx="2"/>
@@ -2102,14 +2136,14 @@
       </p:grpSpPr>
       <p:sp>
         <p:nvSpPr>
-          <p:cNvPr id="66" name="Rectangle 7"/>
+          <p:cNvPr id="67" name="Rectangle 7"/>
           <p:cNvSpPr/>
           <p:nvPr/>
         </p:nvSpPr>
         <p:spPr>
           <a:xfrm>
-            <a:off x="0" y="2019475"/>
-            <a:ext cx="12192000" cy="4105941"/>
+            <a:off x="0" y="2019474"/>
+            <a:ext cx="12192000" cy="4105942"/>
           </a:xfrm>
           <a:prstGeom prst="rect">
             <a:avLst/>
@@ -2132,16 +2166,23 @@
           </a:ln>
         </p:spPr>
         <p:txBody>
-          <a:bodyPr lIns="45719" rIns="45719"/>
+          <a:bodyPr lIns="45718" tIns="45718" rIns="45718" bIns="45718"/>
           <a:lstStyle/>
           <a:p>
-            <a:pPr/>
+            <a:pPr>
+              <a:defRPr>
+                <a:latin typeface="+mj-lt"/>
+                <a:ea typeface="+mj-ea"/>
+                <a:cs typeface="+mj-cs"/>
+                <a:sym typeface="Gill Sans MT"/>
+              </a:defRPr>
+            </a:pPr>
           </a:p>
         </p:txBody>
       </p:sp>
       <p:pic>
         <p:nvPicPr>
-          <p:cNvPr id="67" name="Picture 6" descr="Picture 6"/>
+          <p:cNvPr id="68" name="Picture 6" descr="Picture 6"/>
           <p:cNvPicPr>
             <a:picLocks noChangeAspect="1"/>
           </p:cNvPicPr>
@@ -2159,7 +2200,7 @@
         <p:spPr>
           <a:xfrm>
             <a:off x="0" y="6126479"/>
-            <a:ext cx="12192000" cy="731525"/>
+            <a:ext cx="12192000" cy="731526"/>
           </a:xfrm>
           <a:prstGeom prst="rect">
             <a:avLst/>
@@ -2171,14 +2212,14 @@
       </p:pic>
       <p:sp>
         <p:nvSpPr>
-          <p:cNvPr id="68" name="Straight Connector 9"/>
+          <p:cNvPr id="69" name="Straight Connector 9"/>
           <p:cNvSpPr/>
           <p:nvPr/>
         </p:nvSpPr>
         <p:spPr>
           <a:xfrm>
-            <a:off x="0" y="6128413"/>
-            <a:ext cx="12192001" cy="1"/>
+            <a:off x="-1" y="6128413"/>
+            <a:ext cx="12192002" cy="2"/>
           </a:xfrm>
           <a:prstGeom prst="line">
             <a:avLst/>
@@ -2192,7 +2233,7 @@
           </a:ln>
         </p:spPr>
         <p:txBody>
-          <a:bodyPr lIns="45719" rIns="45719"/>
+          <a:bodyPr lIns="45718" tIns="45718" rIns="45718" bIns="45718"/>
           <a:lstStyle/>
           <a:p>
             <a:pPr/>
@@ -2201,7 +2242,7 @@
       </p:sp>
       <p:sp>
         <p:nvSpPr>
-          <p:cNvPr id="69" name="Title Text"/>
+          <p:cNvPr id="70" name="Title Text"/>
           <p:cNvSpPr txBox="1"/>
           <p:nvPr>
             <p:ph type="title"/>
@@ -2210,7 +2251,7 @@
         <p:spPr>
           <a:xfrm>
             <a:off x="1447191" y="804162"/>
-            <a:ext cx="9607661" cy="1056320"/>
+            <a:ext cx="9607661" cy="1056321"/>
           </a:xfrm>
           <a:prstGeom prst="rect">
             <a:avLst/>
@@ -2229,7 +2270,7 @@
       </p:sp>
       <p:sp>
         <p:nvSpPr>
-          <p:cNvPr id="70" name="Body Level One…"/>
+          <p:cNvPr id="71" name="Body Level One…"/>
           <p:cNvSpPr txBox="1"/>
           <p:nvPr>
             <p:ph type="body" sz="quarter" idx="1"/>
@@ -2261,7 +2302,7 @@
                 </a:solidFill>
               </a:defRPr>
             </a:lvl1pPr>
-            <a:lvl2pPr marL="0" indent="457200">
+            <a:lvl2pPr marL="0" indent="0">
               <a:lnSpc>
                 <a:spcPct val="100000"/>
               </a:lnSpc>
@@ -2275,7 +2316,7 @@
                 </a:solidFill>
               </a:defRPr>
             </a:lvl2pPr>
-            <a:lvl3pPr marL="0" indent="914400">
+            <a:lvl3pPr marL="0" indent="0">
               <a:lnSpc>
                 <a:spcPct val="100000"/>
               </a:lnSpc>
@@ -2289,7 +2330,7 @@
                 </a:solidFill>
               </a:defRPr>
             </a:lvl3pPr>
-            <a:lvl4pPr marL="0" indent="1371600">
+            <a:lvl4pPr marL="0" indent="0">
               <a:lnSpc>
                 <a:spcPct val="100000"/>
               </a:lnSpc>
@@ -2303,7 +2344,7 @@
                 </a:solidFill>
               </a:defRPr>
             </a:lvl4pPr>
-            <a:lvl5pPr marL="0" indent="1828800">
+            <a:lvl5pPr marL="0" indent="0">
               <a:lnSpc>
                 <a:spcPct val="100000"/>
               </a:lnSpc>
@@ -2352,7 +2393,7 @@
       </p:sp>
       <p:sp>
         <p:nvSpPr>
-          <p:cNvPr id="71" name="Text Placeholder 4"/>
+          <p:cNvPr id="72" name="Text Placeholder 4"/>
           <p:cNvSpPr/>
           <p:nvPr>
             <p:ph type="body" sz="quarter" idx="13"/>
@@ -2361,7 +2402,7 @@
         <p:spPr>
           <a:xfrm>
             <a:off x="6412362" y="2023003"/>
-            <a:ext cx="4645153" cy="802238"/>
+            <a:ext cx="4645154" cy="802239"/>
           </a:xfrm>
           <a:prstGeom prst="rect">
             <a:avLst/>
@@ -2371,33 +2412,20 @@
           <a:bodyPr anchor="b"/>
           <a:lstStyle/>
           <a:p>
-            <a:pPr marL="0" indent="0">
-              <a:lnSpc>
-                <a:spcPct val="100000"/>
-              </a:lnSpc>
-              <a:buClrTx/>
-              <a:buSzTx/>
-              <a:buFontTx/>
-              <a:buNone/>
-              <a:defRPr cap="all" sz="2200">
-                <a:solidFill>
-                  <a:schemeClr val="accent1"/>
-                </a:solidFill>
-              </a:defRPr>
-            </a:pPr>
-          </a:p>
-        </p:txBody>
-      </p:sp>
-      <p:sp>
-        <p:nvSpPr>
-          <p:cNvPr id="72" name="Straight Connector 28"/>
+            <a:pPr/>
+          </a:p>
+        </p:txBody>
+      </p:sp>
+      <p:sp>
+        <p:nvSpPr>
+          <p:cNvPr id="73" name="Straight Connector 28"/>
           <p:cNvSpPr/>
           <p:nvPr/>
         </p:nvSpPr>
         <p:spPr>
           <a:xfrm>
             <a:off x="1453895" y="1847088"/>
-            <a:ext cx="9607524" cy="1"/>
+            <a:ext cx="9607524" cy="2"/>
           </a:xfrm>
           <a:prstGeom prst="line">
             <a:avLst/>
@@ -2409,7 +2437,7 @@
           </a:ln>
         </p:spPr>
         <p:txBody>
-          <a:bodyPr lIns="45719" rIns="45719"/>
+          <a:bodyPr lIns="45718" tIns="45718" rIns="45718" bIns="45718"/>
           <a:lstStyle/>
           <a:p>
             <a:pPr/>
@@ -2418,7 +2446,7 @@
       </p:sp>
       <p:sp>
         <p:nvSpPr>
-          <p:cNvPr id="73" name="Slide Number"/>
+          <p:cNvPr id="74" name="Slide Number"/>
           <p:cNvSpPr txBox="1"/>
           <p:nvPr>
             <p:ph type="sldNum" sz="quarter" idx="2"/>
@@ -2448,7 +2476,7 @@
 </file>
 
 <file path=ppt/slideLayouts/slideLayout6.xml><?xml version="1.0" encoding="utf-8"?>
-<p:sldLayout xmlns:a="http://schemas.openxmlformats.org/drawingml/2006/main" xmlns:r="http://schemas.openxmlformats.org/officeDocument/2006/relationships" xmlns:p="http://schemas.openxmlformats.org/presentationml/2006/main" type="tx" showMasterSp="0" showMasterPhAnim="1">
+<p:sldLayout xmlns:a="http://schemas.openxmlformats.org/drawingml/2006/main" xmlns:r="http://schemas.openxmlformats.org/officeDocument/2006/relationships" xmlns:p="http://schemas.openxmlformats.org/presentationml/2006/main" type="tx" showMasterSp="1" showMasterPhAnim="1">
   <p:cSld name="Title Only">
     <p:spTree>
       <p:nvGrpSpPr>
@@ -2466,14 +2494,86 @@
       </p:grpSpPr>
       <p:sp>
         <p:nvSpPr>
-          <p:cNvPr id="80" name="Rectangle 7"/>
+          <p:cNvPr id="81" name="Title Text"/>
+          <p:cNvSpPr txBox="1"/>
+          <p:nvPr>
+            <p:ph type="title"/>
+          </p:nvPr>
+        </p:nvSpPr>
+        <p:spPr>
+          <a:prstGeom prst="rect">
+            <a:avLst/>
+          </a:prstGeom>
+        </p:spPr>
+        <p:txBody>
+          <a:bodyPr/>
+          <a:lstStyle/>
+          <a:p>
+            <a:pPr/>
+            <a:r>
+              <a:t>Title Text</a:t>
+            </a:r>
+          </a:p>
+        </p:txBody>
+      </p:sp>
+      <p:sp>
+        <p:nvSpPr>
+          <p:cNvPr id="82" name="Slide Number"/>
+          <p:cNvSpPr txBox="1"/>
+          <p:nvPr>
+            <p:ph type="sldNum" sz="quarter" idx="2"/>
+          </p:nvPr>
+        </p:nvSpPr>
+        <p:spPr>
+          <a:prstGeom prst="rect">
+            <a:avLst/>
+          </a:prstGeom>
+        </p:spPr>
+        <p:txBody>
+          <a:bodyPr/>
+          <a:lstStyle/>
+          <a:p>
+            <a:pPr/>
+            <a:fld id="{86CB4B4D-7CA3-9044-876B-883B54F8677D}" type="slidenum"/>
+          </a:p>
+        </p:txBody>
+      </p:sp>
+    </p:spTree>
+  </p:cSld>
+  <p:clrMapOvr>
+    <a:masterClrMapping/>
+  </p:clrMapOvr>
+  <p:transition xmlns:p14="http://schemas.microsoft.com/office/powerpoint/2010/main" spd="med" advClick="1"/>
+</p:sldLayout>
+</file>
+
+<file path=ppt/slideLayouts/slideLayout7.xml><?xml version="1.0" encoding="utf-8"?>
+<p:sldLayout xmlns:a="http://schemas.openxmlformats.org/drawingml/2006/main" xmlns:r="http://schemas.openxmlformats.org/officeDocument/2006/relationships" xmlns:p="http://schemas.openxmlformats.org/presentationml/2006/main" type="tx" showMasterSp="0" showMasterPhAnim="1">
+  <p:cSld name="Blank">
+    <p:spTree>
+      <p:nvGrpSpPr>
+        <p:cNvPr id="1" name=""/>
+        <p:cNvGrpSpPr/>
+        <p:nvPr/>
+      </p:nvGrpSpPr>
+      <p:grpSpPr>
+        <a:xfrm>
+          <a:off x="0" y="0"/>
+          <a:ext cx="0" cy="0"/>
+          <a:chOff x="0" y="0"/>
+          <a:chExt cx="0" cy="0"/>
+        </a:xfrm>
+      </p:grpSpPr>
+      <p:sp>
+        <p:nvSpPr>
+          <p:cNvPr id="89" name="Rectangle 7"/>
           <p:cNvSpPr/>
           <p:nvPr/>
         </p:nvSpPr>
         <p:spPr>
           <a:xfrm>
-            <a:off x="0" y="2019475"/>
-            <a:ext cx="12192000" cy="4105941"/>
+            <a:off x="0" y="2019474"/>
+            <a:ext cx="12192000" cy="4105942"/>
           </a:xfrm>
           <a:prstGeom prst="rect">
             <a:avLst/>
@@ -2496,16 +2596,23 @@
           </a:ln>
         </p:spPr>
         <p:txBody>
-          <a:bodyPr lIns="45719" rIns="45719"/>
+          <a:bodyPr lIns="45718" tIns="45718" rIns="45718" bIns="45718"/>
           <a:lstStyle/>
           <a:p>
-            <a:pPr/>
+            <a:pPr>
+              <a:defRPr>
+                <a:latin typeface="+mj-lt"/>
+                <a:ea typeface="+mj-ea"/>
+                <a:cs typeface="+mj-cs"/>
+                <a:sym typeface="Gill Sans MT"/>
+              </a:defRPr>
+            </a:pPr>
           </a:p>
         </p:txBody>
       </p:sp>
       <p:pic>
         <p:nvPicPr>
-          <p:cNvPr id="81" name="Picture 6" descr="Picture 6"/>
+          <p:cNvPr id="90" name="Picture 6" descr="Picture 6"/>
           <p:cNvPicPr>
             <a:picLocks noChangeAspect="1"/>
           </p:cNvPicPr>
@@ -2523,7 +2630,7 @@
         <p:spPr>
           <a:xfrm>
             <a:off x="0" y="6126479"/>
-            <a:ext cx="12192000" cy="731525"/>
+            <a:ext cx="12192000" cy="731526"/>
           </a:xfrm>
           <a:prstGeom prst="rect">
             <a:avLst/>
@@ -2535,14 +2642,14 @@
       </p:pic>
       <p:sp>
         <p:nvSpPr>
-          <p:cNvPr id="82" name="Straight Connector 9"/>
+          <p:cNvPr id="91" name="Straight Connector 9"/>
           <p:cNvSpPr/>
           <p:nvPr/>
         </p:nvSpPr>
         <p:spPr>
           <a:xfrm>
-            <a:off x="0" y="6128413"/>
-            <a:ext cx="12192001" cy="1"/>
+            <a:off x="-1" y="6128413"/>
+            <a:ext cx="12192002" cy="2"/>
           </a:xfrm>
           <a:prstGeom prst="line">
             <a:avLst/>
@@ -2556,117 +2663,13 @@
           </a:ln>
         </p:spPr>
         <p:txBody>
-          <a:bodyPr lIns="45719" rIns="45719"/>
+          <a:bodyPr lIns="45718" tIns="45718" rIns="45718" bIns="45718"/>
           <a:lstStyle/>
           <a:p>
             <a:pPr/>
           </a:p>
         </p:txBody>
       </p:sp>
-      <p:sp>
-        <p:nvSpPr>
-          <p:cNvPr id="83" name="Title Text"/>
-          <p:cNvSpPr txBox="1"/>
-          <p:nvPr>
-            <p:ph type="title"/>
-          </p:nvPr>
-        </p:nvSpPr>
-        <p:spPr>
-          <a:xfrm>
-            <a:off x="1451579" y="804519"/>
-            <a:ext cx="9603276" cy="1049236"/>
-          </a:xfrm>
-          <a:prstGeom prst="rect">
-            <a:avLst/>
-          </a:prstGeom>
-        </p:spPr>
-        <p:txBody>
-          <a:bodyPr/>
-          <a:lstStyle/>
-          <a:p>
-            <a:pPr/>
-            <a:r>
-              <a:t>Title Text</a:t>
-            </a:r>
-          </a:p>
-        </p:txBody>
-      </p:sp>
-      <p:sp>
-        <p:nvSpPr>
-          <p:cNvPr id="84" name="Straight Connector 24"/>
-          <p:cNvSpPr/>
-          <p:nvPr/>
-        </p:nvSpPr>
-        <p:spPr>
-          <a:xfrm>
-            <a:off x="1453895" y="1847088"/>
-            <a:ext cx="9607524" cy="1"/>
-          </a:xfrm>
-          <a:prstGeom prst="line">
-            <a:avLst/>
-          </a:prstGeom>
-          <a:ln w="31750">
-            <a:solidFill>
-              <a:schemeClr val="accent1"/>
-            </a:solidFill>
-          </a:ln>
-        </p:spPr>
-        <p:txBody>
-          <a:bodyPr lIns="45719" rIns="45719"/>
-          <a:lstStyle/>
-          <a:p>
-            <a:pPr/>
-          </a:p>
-        </p:txBody>
-      </p:sp>
-      <p:sp>
-        <p:nvSpPr>
-          <p:cNvPr id="85" name="Slide Number"/>
-          <p:cNvSpPr txBox="1"/>
-          <p:nvPr>
-            <p:ph type="sldNum" sz="quarter" idx="2"/>
-          </p:nvPr>
-        </p:nvSpPr>
-        <p:spPr>
-          <a:prstGeom prst="rect">
-            <a:avLst/>
-          </a:prstGeom>
-        </p:spPr>
-        <p:txBody>
-          <a:bodyPr/>
-          <a:lstStyle/>
-          <a:p>
-            <a:pPr/>
-            <a:fld id="{86CB4B4D-7CA3-9044-876B-883B54F8677D}" type="slidenum"/>
-          </a:p>
-        </p:txBody>
-      </p:sp>
-    </p:spTree>
-  </p:cSld>
-  <p:clrMapOvr>
-    <a:masterClrMapping/>
-  </p:clrMapOvr>
-  <p:transition xmlns:p14="http://schemas.microsoft.com/office/powerpoint/2010/main" spd="med" advClick="1"/>
-</p:sldLayout>
-</file>
-
-<file path=ppt/slideLayouts/slideLayout7.xml><?xml version="1.0" encoding="utf-8"?>
-<p:sldLayout xmlns:a="http://schemas.openxmlformats.org/drawingml/2006/main" xmlns:r="http://schemas.openxmlformats.org/officeDocument/2006/relationships" xmlns:p="http://schemas.openxmlformats.org/presentationml/2006/main" type="tx" showMasterSp="1" showMasterPhAnim="1">
-  <p:cSld name="Blank">
-    <p:spTree>
-      <p:nvGrpSpPr>
-        <p:cNvPr id="1" name=""/>
-        <p:cNvGrpSpPr/>
-        <p:nvPr/>
-      </p:nvGrpSpPr>
-      <p:grpSpPr>
-        <a:xfrm>
-          <a:off x="0" y="0"/>
-          <a:ext cx="0" cy="0"/>
-          <a:chOff x="0" y="0"/>
-          <a:chExt cx="0" cy="0"/>
-        </a:xfrm>
-      </p:grpSpPr>
       <p:sp>
         <p:nvSpPr>
           <p:cNvPr id="92" name="Slide Number"/>
@@ -2723,8 +2726,8 @@
         </p:nvSpPr>
         <p:spPr>
           <a:xfrm>
-            <a:off x="0" y="2019475"/>
-            <a:ext cx="12192000" cy="4105941"/>
+            <a:off x="0" y="2019474"/>
+            <a:ext cx="12192000" cy="4105942"/>
           </a:xfrm>
           <a:prstGeom prst="rect">
             <a:avLst/>
@@ -2747,10 +2750,17 @@
           </a:ln>
         </p:spPr>
         <p:txBody>
-          <a:bodyPr lIns="45719" rIns="45719"/>
+          <a:bodyPr lIns="45718" tIns="45718" rIns="45718" bIns="45718"/>
           <a:lstStyle/>
           <a:p>
-            <a:pPr/>
+            <a:pPr>
+              <a:defRPr>
+                <a:latin typeface="+mj-lt"/>
+                <a:ea typeface="+mj-ea"/>
+                <a:cs typeface="+mj-cs"/>
+                <a:sym typeface="Gill Sans MT"/>
+              </a:defRPr>
+            </a:pPr>
           </a:p>
         </p:txBody>
       </p:sp>
@@ -2774,7 +2784,7 @@
         <p:spPr>
           <a:xfrm>
             <a:off x="0" y="6126479"/>
-            <a:ext cx="12192000" cy="731525"/>
+            <a:ext cx="12192000" cy="731526"/>
           </a:xfrm>
           <a:prstGeom prst="rect">
             <a:avLst/>
@@ -2792,8 +2802,8 @@
         </p:nvSpPr>
         <p:spPr>
           <a:xfrm>
-            <a:off x="0" y="6128413"/>
-            <a:ext cx="12192001" cy="1"/>
+            <a:off x="-1" y="6128413"/>
+            <a:ext cx="12192002" cy="2"/>
           </a:xfrm>
           <a:prstGeom prst="line">
             <a:avLst/>
@@ -2807,7 +2817,7 @@
           </a:ln>
         </p:spPr>
         <p:txBody>
-          <a:bodyPr lIns="45719" rIns="45719"/>
+          <a:bodyPr lIns="45718" tIns="45718" rIns="45718" bIns="45718"/>
           <a:lstStyle/>
           <a:p>
             <a:pPr/>
@@ -2825,7 +2835,7 @@
         <p:spPr>
           <a:xfrm>
             <a:off x="1444671" y="798972"/>
-            <a:ext cx="3273100" cy="2247118"/>
+            <a:ext cx="3273100" cy="2247119"/>
           </a:xfrm>
           <a:prstGeom prst="rect">
             <a:avLst/>
@@ -2857,7 +2867,7 @@
         <p:spPr>
           <a:xfrm>
             <a:off x="5043713" y="798974"/>
-            <a:ext cx="6012471" cy="4658827"/>
+            <a:ext cx="6012472" cy="4658827"/>
           </a:xfrm>
           <a:prstGeom prst="rect">
             <a:avLst/>
@@ -2919,13 +2929,7 @@
           <a:bodyPr/>
           <a:lstStyle/>
           <a:p>
-            <a:pPr marL="0" indent="0">
-              <a:buClrTx/>
-              <a:buSzTx/>
-              <a:buFontTx/>
-              <a:buNone/>
-              <a:defRPr sz="1600"/>
-            </a:pPr>
+            <a:pPr/>
           </a:p>
         </p:txBody>
       </p:sp>
@@ -2937,8 +2941,8 @@
         </p:nvSpPr>
         <p:spPr>
           <a:xfrm>
-            <a:off x="1448280" y="3205490"/>
-            <a:ext cx="3269491" cy="1"/>
+            <a:off x="1448280" y="3205489"/>
+            <a:ext cx="3269491" cy="2"/>
           </a:xfrm>
           <a:prstGeom prst="line">
             <a:avLst/>
@@ -2950,7 +2954,7 @@
           </a:ln>
         </p:spPr>
         <p:txBody>
-          <a:bodyPr lIns="45719" rIns="45719"/>
+          <a:bodyPr lIns="45718" tIns="45718" rIns="45718" bIns="45718"/>
           <a:lstStyle/>
           <a:p>
             <a:pPr/>
@@ -3013,8 +3017,8 @@
         </p:nvSpPr>
         <p:spPr>
           <a:xfrm>
-            <a:off x="0" y="2019475"/>
-            <a:ext cx="12192000" cy="4105941"/>
+            <a:off x="0" y="2019474"/>
+            <a:ext cx="12192000" cy="4105942"/>
           </a:xfrm>
           <a:prstGeom prst="rect">
             <a:avLst/>
@@ -3037,10 +3041,17 @@
           </a:ln>
         </p:spPr>
         <p:txBody>
-          <a:bodyPr lIns="45719" rIns="45719"/>
+          <a:bodyPr lIns="45718" tIns="45718" rIns="45718" bIns="45718"/>
           <a:lstStyle/>
           <a:p>
-            <a:pPr/>
+            <a:pPr>
+              <a:defRPr>
+                <a:latin typeface="+mj-lt"/>
+                <a:ea typeface="+mj-ea"/>
+                <a:cs typeface="+mj-cs"/>
+                <a:sym typeface="Gill Sans MT"/>
+              </a:defRPr>
+            </a:pPr>
           </a:p>
         </p:txBody>
       </p:sp>
@@ -3064,7 +3075,7 @@
         <p:spPr>
           <a:xfrm>
             <a:off x="0" y="6126479"/>
-            <a:ext cx="12192000" cy="731525"/>
+            <a:ext cx="12192000" cy="731526"/>
           </a:xfrm>
           <a:prstGeom prst="rect">
             <a:avLst/>
@@ -3082,8 +3093,8 @@
         </p:nvSpPr>
         <p:spPr>
           <a:xfrm>
-            <a:off x="0" y="6128413"/>
-            <a:ext cx="12192001" cy="1"/>
+            <a:off x="-1" y="6128413"/>
+            <a:ext cx="12192002" cy="2"/>
           </a:xfrm>
           <a:prstGeom prst="line">
             <a:avLst/>
@@ -3097,7 +3108,7 @@
           </a:ln>
         </p:spPr>
         <p:txBody>
-          <a:bodyPr lIns="45719" rIns="45719"/>
+          <a:bodyPr lIns="45718" tIns="45718" rIns="45718" bIns="45718"/>
           <a:lstStyle/>
           <a:p>
             <a:pPr/>
@@ -3112,10 +3123,10 @@
         </p:nvGrpSpPr>
         <p:grpSpPr>
           <a:xfrm>
-            <a:off x="7477386" y="482170"/>
-            <a:ext cx="4074535" cy="5149101"/>
+            <a:off x="7477385" y="482169"/>
+            <a:ext cx="4074538" cy="5149103"/>
             <a:chOff x="0" y="0"/>
-            <a:chExt cx="4074533" cy="5149100"/>
+            <a:chExt cx="4074536" cy="5149101"/>
           </a:xfrm>
         </p:grpSpPr>
         <p:sp>
@@ -3126,8 +3137,8 @@
           </p:nvSpPr>
           <p:spPr>
             <a:xfrm>
-              <a:off x="-1" y="0"/>
-              <a:ext cx="4074535" cy="5149101"/>
+              <a:off x="-1" y="-1"/>
+              <a:ext cx="4074538" cy="5149103"/>
             </a:xfrm>
             <a:prstGeom prst="rect">
               <a:avLst/>
@@ -3156,12 +3167,19 @@
             </a:effectLst>
           </p:spPr>
           <p:txBody>
-            <a:bodyPr wrap="square" lIns="45719" tIns="45719" rIns="45719" bIns="45719" numCol="1" anchor="t">
+            <a:bodyPr wrap="square" lIns="45718" tIns="45718" rIns="45718" bIns="45718" numCol="1" anchor="t">
               <a:noAutofit/>
             </a:bodyPr>
             <a:lstStyle/>
             <a:p>
-              <a:pPr/>
+              <a:pPr>
+                <a:defRPr>
+                  <a:latin typeface="+mj-lt"/>
+                  <a:ea typeface="+mj-ea"/>
+                  <a:cs typeface="+mj-cs"/>
+                  <a:sym typeface="Gill Sans MT"/>
+                </a:defRPr>
+              </a:pPr>
             </a:p>
           </p:txBody>
         </p:sp>
@@ -3173,8 +3191,8 @@
           </p:nvSpPr>
           <p:spPr>
             <a:xfrm>
-              <a:off x="313059" y="330336"/>
-              <a:ext cx="3450290" cy="4466452"/>
+              <a:off x="313059" y="330335"/>
+              <a:ext cx="3450292" cy="4466454"/>
             </a:xfrm>
             <a:prstGeom prst="rect">
               <a:avLst/>
@@ -3200,12 +3218,19 @@
             <a:effectLst/>
           </p:spPr>
           <p:txBody>
-            <a:bodyPr wrap="square" lIns="45719" tIns="45719" rIns="45719" bIns="45719" numCol="1" anchor="t">
+            <a:bodyPr wrap="square" lIns="45718" tIns="45718" rIns="45718" bIns="45718" numCol="1" anchor="t">
               <a:noAutofit/>
             </a:bodyPr>
             <a:lstStyle/>
             <a:p>
-              <a:pPr/>
+              <a:pPr>
+                <a:defRPr>
+                  <a:latin typeface="+mj-lt"/>
+                  <a:ea typeface="+mj-ea"/>
+                  <a:cs typeface="+mj-cs"/>
+                  <a:sym typeface="Gill Sans MT"/>
+                </a:defRPr>
+              </a:pPr>
             </a:p>
           </p:txBody>
         </p:sp>
@@ -3221,7 +3246,7 @@
         <p:spPr>
           <a:xfrm>
             <a:off x="1451205" y="1129513"/>
-            <a:ext cx="5532329" cy="1830585"/>
+            <a:ext cx="5532330" cy="1830586"/>
           </a:xfrm>
           <a:prstGeom prst="rect">
             <a:avLst/>
@@ -3249,14 +3274,14 @@
         <p:spPr>
           <a:xfrm>
             <a:off x="8124389" y="1122542"/>
-            <a:ext cx="2791172" cy="3866328"/>
-          </a:xfrm>
-          <a:prstGeom prst="rect">
-            <a:avLst/>
-          </a:prstGeom>
-        </p:spPr>
-        <p:txBody>
-          <a:bodyPr lIns="91439" rIns="91439">
+            <a:ext cx="2791173" cy="3866329"/>
+          </a:xfrm>
+          <a:prstGeom prst="rect">
+            <a:avLst/>
+          </a:prstGeom>
+        </p:spPr>
+        <p:txBody>
+          <a:bodyPr lIns="91439" tIns="45719" rIns="91439" bIns="45719">
             <a:noAutofit/>
           </a:bodyPr>
           <a:lstStyle/>
@@ -3276,7 +3301,7 @@
         <p:spPr>
           <a:xfrm>
             <a:off x="1450329" y="3145992"/>
-            <a:ext cx="5524404" cy="2003743"/>
+            <a:ext cx="5524404" cy="2003744"/>
           </a:xfrm>
           <a:prstGeom prst="rect">
             <a:avLst/>
@@ -3292,28 +3317,28 @@
               <a:buNone/>
               <a:defRPr sz="1800"/>
             </a:lvl1pPr>
-            <a:lvl2pPr marL="0" indent="457200">
+            <a:lvl2pPr marL="0" indent="0">
               <a:buClrTx/>
               <a:buSzTx/>
               <a:buFontTx/>
               <a:buNone/>
               <a:defRPr sz="1800"/>
             </a:lvl2pPr>
-            <a:lvl3pPr marL="0" indent="914400">
+            <a:lvl3pPr marL="0" indent="0">
               <a:buClrTx/>
               <a:buSzTx/>
               <a:buFontTx/>
               <a:buNone/>
               <a:defRPr sz="1800"/>
             </a:lvl3pPr>
-            <a:lvl4pPr marL="0" indent="1371600">
+            <a:lvl4pPr marL="0" indent="0">
               <a:buClrTx/>
               <a:buSzTx/>
               <a:buFontTx/>
               <a:buNone/>
               <a:defRPr sz="1800"/>
             </a:lvl4pPr>
-            <a:lvl5pPr marL="0" indent="1828800">
+            <a:lvl5pPr marL="0" indent="0">
               <a:buClrTx/>
               <a:buSzTx/>
               <a:buFontTx/>
@@ -3361,8 +3386,8 @@
         </p:nvSpPr>
         <p:spPr>
           <a:xfrm>
-            <a:off x="1447382" y="3143605"/>
-            <a:ext cx="5527352" cy="1"/>
+            <a:off x="1447381" y="3143605"/>
+            <a:ext cx="5527354" cy="2"/>
           </a:xfrm>
           <a:prstGeom prst="line">
             <a:avLst/>
@@ -3374,7 +3399,7 @@
           </a:ln>
         </p:spPr>
         <p:txBody>
-          <a:bodyPr lIns="45719" rIns="45719"/>
+          <a:bodyPr lIns="45718" tIns="45718" rIns="45718" bIns="45718"/>
           <a:lstStyle/>
           <a:p>
             <a:pPr/>
@@ -3454,8 +3479,8 @@
         </p:nvSpPr>
         <p:spPr>
           <a:xfrm>
-            <a:off x="0" y="2019475"/>
-            <a:ext cx="12192000" cy="4105941"/>
+            <a:off x="0" y="2019474"/>
+            <a:ext cx="12192000" cy="4105942"/>
           </a:xfrm>
           <a:prstGeom prst="rect">
             <a:avLst/>
@@ -3478,10 +3503,17 @@
           </a:ln>
         </p:spPr>
         <p:txBody>
-          <a:bodyPr lIns="45719" rIns="45719"/>
+          <a:bodyPr lIns="45718" tIns="45718" rIns="45718" bIns="45718"/>
           <a:lstStyle/>
           <a:p>
-            <a:pPr/>
+            <a:pPr>
+              <a:defRPr>
+                <a:latin typeface="+mj-lt"/>
+                <a:ea typeface="+mj-ea"/>
+                <a:cs typeface="+mj-cs"/>
+                <a:sym typeface="Gill Sans MT"/>
+              </a:defRPr>
+            </a:pPr>
           </a:p>
         </p:txBody>
       </p:sp>
@@ -3505,7 +3537,7 @@
         <p:spPr>
           <a:xfrm>
             <a:off x="0" y="6126479"/>
-            <a:ext cx="12192000" cy="731525"/>
+            <a:ext cx="12192000" cy="731526"/>
           </a:xfrm>
           <a:prstGeom prst="rect">
             <a:avLst/>
@@ -3523,8 +3555,8 @@
         </p:nvSpPr>
         <p:spPr>
           <a:xfrm>
-            <a:off x="0" y="6128413"/>
-            <a:ext cx="12192001" cy="1"/>
+            <a:off x="-1" y="6128413"/>
+            <a:ext cx="12192002" cy="2"/>
           </a:xfrm>
           <a:prstGeom prst="line">
             <a:avLst/>
@@ -3538,7 +3570,7 @@
           </a:ln>
         </p:spPr>
         <p:txBody>
-          <a:bodyPr lIns="45719" rIns="45719"/>
+          <a:bodyPr lIns="45718" tIns="45718" rIns="45718" bIns="45718"/>
           <a:lstStyle/>
           <a:p>
             <a:pPr/>
@@ -3555,8 +3587,8 @@
         </p:nvSpPr>
         <p:spPr>
           <a:xfrm>
-            <a:off x="609600" y="274637"/>
-            <a:ext cx="10972800" cy="1325564"/>
+            <a:off x="1451579" y="804519"/>
+            <a:ext cx="9603276" cy="1049236"/>
           </a:xfrm>
           <a:prstGeom prst="rect">
             <a:avLst/>
@@ -3571,7 +3603,7 @@
           </a:extLst>
         </p:spPr>
         <p:txBody>
-          <a:bodyPr lIns="45719" rIns="45719">
+          <a:bodyPr lIns="45718" tIns="45718" rIns="45718" bIns="45718">
             <a:normAutofit fontScale="100000" lnSpcReduction="0"/>
           </a:bodyPr>
           <a:lstStyle/>
@@ -3585,7 +3617,35 @@
       </p:sp>
       <p:sp>
         <p:nvSpPr>
-          <p:cNvPr id="6" name="Body Level One…"/>
+          <p:cNvPr id="6" name="Straight Connector 24"/>
+          <p:cNvSpPr/>
+          <p:nvPr/>
+        </p:nvSpPr>
+        <p:spPr>
+          <a:xfrm>
+            <a:off x="1453895" y="1847088"/>
+            <a:ext cx="9607524" cy="2"/>
+          </a:xfrm>
+          <a:prstGeom prst="line">
+            <a:avLst/>
+          </a:prstGeom>
+          <a:ln w="31750">
+            <a:solidFill>
+              <a:schemeClr val="accent1"/>
+            </a:solidFill>
+          </a:ln>
+        </p:spPr>
+        <p:txBody>
+          <a:bodyPr lIns="45718" tIns="45718" rIns="45718" bIns="45718"/>
+          <a:lstStyle/>
+          <a:p>
+            <a:pPr/>
+          </a:p>
+        </p:txBody>
+      </p:sp>
+      <p:sp>
+        <p:nvSpPr>
+          <p:cNvPr id="7" name="Body Level One…"/>
           <p:cNvSpPr txBox="1"/>
           <p:nvPr>
             <p:ph type="body" idx="1"/>
@@ -3593,8 +3653,8 @@
         </p:nvSpPr>
         <p:spPr>
           <a:xfrm>
-            <a:off x="609600" y="1600200"/>
-            <a:ext cx="10972800" cy="5257800"/>
+            <a:off x="6805083" y="2438400"/>
+            <a:ext cx="4775201" cy="4419600"/>
           </a:xfrm>
           <a:prstGeom prst="rect">
             <a:avLst/>
@@ -3609,7 +3669,7 @@
           </a:extLst>
         </p:spPr>
         <p:txBody>
-          <a:bodyPr lIns="45719" rIns="45719">
+          <a:bodyPr lIns="45718" tIns="45718" rIns="45718" bIns="45718">
             <a:normAutofit fontScale="100000" lnSpcReduction="0"/>
           </a:bodyPr>
           <a:lstStyle/>
@@ -3647,7 +3707,7 @@
       </p:sp>
       <p:sp>
         <p:nvSpPr>
-          <p:cNvPr id="7" name="Slide Number"/>
+          <p:cNvPr id="8" name="Slide Number"/>
           <p:cNvSpPr txBox="1"/>
           <p:nvPr>
             <p:ph type="sldNum" sz="quarter" idx="2"/>
@@ -3655,8 +3715,8 @@
         </p:nvSpPr>
         <p:spPr>
           <a:xfrm>
-            <a:off x="791403" y="798972"/>
-            <a:ext cx="499676" cy="523241"/>
+            <a:off x="791405" y="798972"/>
+            <a:ext cx="499674" cy="523239"/>
           </a:xfrm>
           <a:prstGeom prst="rect">
             <a:avLst/>
@@ -3666,7 +3726,7 @@
           </a:ln>
         </p:spPr>
         <p:txBody>
-          <a:bodyPr wrap="none" lIns="45719" rIns="45719">
+          <a:bodyPr wrap="none" lIns="45718" tIns="45718" rIns="45718" bIns="45718">
             <a:spAutoFit/>
           </a:bodyPr>
           <a:lstStyle>
@@ -3675,6 +3735,10 @@
                 <a:solidFill>
                   <a:schemeClr val="accent1"/>
                 </a:solidFill>
+                <a:latin typeface="+mj-lt"/>
+                <a:ea typeface="+mj-ea"/>
+                <a:cs typeface="+mj-cs"/>
+                <a:sym typeface="Gill Sans MT"/>
               </a:defRPr>
             </a:lvl1pPr>
           </a:lstStyle>
@@ -4059,7 +4123,7 @@
           <a:sym typeface="Gill Sans MT"/>
         </a:defRPr>
       </a:lvl3pPr>
-      <a:lvl4pPr marL="1698171" marR="0" indent="-326571" algn="l" defTabSz="914400" rtl="0" latinLnBrk="0">
+      <a:lvl4pPr marL="1698170" marR="0" indent="-326570" algn="l" defTabSz="914400" rtl="0" latinLnBrk="0">
         <a:lnSpc>
           <a:spcPct val="120000"/>
         </a:lnSpc>
@@ -4276,7 +4340,7 @@
           <a:sym typeface="Gill Sans MT"/>
         </a:defRPr>
       </a:lvl1pPr>
-      <a:lvl2pPr marL="0" marR="0" indent="457200" algn="r" defTabSz="457200" rtl="0" latinLnBrk="0">
+      <a:lvl2pPr marL="0" marR="0" indent="0" algn="r" defTabSz="457200" rtl="0" latinLnBrk="0">
         <a:lnSpc>
           <a:spcPct val="100000"/>
         </a:lnSpc>
@@ -4305,7 +4369,7 @@
           <a:sym typeface="Gill Sans MT"/>
         </a:defRPr>
       </a:lvl2pPr>
-      <a:lvl3pPr marL="0" marR="0" indent="914400" algn="r" defTabSz="457200" rtl="0" latinLnBrk="0">
+      <a:lvl3pPr marL="0" marR="0" indent="0" algn="r" defTabSz="457200" rtl="0" latinLnBrk="0">
         <a:lnSpc>
           <a:spcPct val="100000"/>
         </a:lnSpc>
@@ -4334,7 +4398,7 @@
           <a:sym typeface="Gill Sans MT"/>
         </a:defRPr>
       </a:lvl3pPr>
-      <a:lvl4pPr marL="0" marR="0" indent="1371600" algn="r" defTabSz="457200" rtl="0" latinLnBrk="0">
+      <a:lvl4pPr marL="0" marR="0" indent="0" algn="r" defTabSz="457200" rtl="0" latinLnBrk="0">
         <a:lnSpc>
           <a:spcPct val="100000"/>
         </a:lnSpc>
@@ -4363,7 +4427,7 @@
           <a:sym typeface="Gill Sans MT"/>
         </a:defRPr>
       </a:lvl4pPr>
-      <a:lvl5pPr marL="0" marR="0" indent="1828800" algn="r" defTabSz="457200" rtl="0" latinLnBrk="0">
+      <a:lvl5pPr marL="0" marR="0" indent="0" algn="r" defTabSz="457200" rtl="0" latinLnBrk="0">
         <a:lnSpc>
           <a:spcPct val="100000"/>
         </a:lnSpc>
@@ -4392,7 +4456,7 @@
           <a:sym typeface="Gill Sans MT"/>
         </a:defRPr>
       </a:lvl5pPr>
-      <a:lvl6pPr marL="0" marR="0" indent="2286000" algn="r" defTabSz="457200" rtl="0" latinLnBrk="0">
+      <a:lvl6pPr marL="0" marR="0" indent="0" algn="r" defTabSz="457200" rtl="0" latinLnBrk="0">
         <a:lnSpc>
           <a:spcPct val="100000"/>
         </a:lnSpc>
@@ -4421,7 +4485,7 @@
           <a:sym typeface="Gill Sans MT"/>
         </a:defRPr>
       </a:lvl6pPr>
-      <a:lvl7pPr marL="0" marR="0" indent="2743200" algn="r" defTabSz="457200" rtl="0" latinLnBrk="0">
+      <a:lvl7pPr marL="0" marR="0" indent="0" algn="r" defTabSz="457200" rtl="0" latinLnBrk="0">
         <a:lnSpc>
           <a:spcPct val="100000"/>
         </a:lnSpc>
@@ -4450,7 +4514,7 @@
           <a:sym typeface="Gill Sans MT"/>
         </a:defRPr>
       </a:lvl7pPr>
-      <a:lvl8pPr marL="0" marR="0" indent="3200400" algn="r" defTabSz="457200" rtl="0" latinLnBrk="0">
+      <a:lvl8pPr marL="0" marR="0" indent="0" algn="r" defTabSz="457200" rtl="0" latinLnBrk="0">
         <a:lnSpc>
           <a:spcPct val="100000"/>
         </a:lnSpc>
@@ -4479,7 +4543,7 @@
           <a:sym typeface="Gill Sans MT"/>
         </a:defRPr>
       </a:lvl8pPr>
-      <a:lvl9pPr marL="0" marR="0" indent="3657600" algn="r" defTabSz="457200" rtl="0" latinLnBrk="0">
+      <a:lvl9pPr marL="0" marR="0" indent="0" algn="r" defTabSz="457200" rtl="0" latinLnBrk="0">
         <a:lnSpc>
           <a:spcPct val="100000"/>
         </a:lnSpc>
@@ -4540,8 +4604,8 @@
         </p:nvSpPr>
         <p:spPr>
           <a:xfrm>
-            <a:off x="2417779" y="802297"/>
-            <a:ext cx="8637073" cy="2541433"/>
+            <a:off x="2417779" y="802296"/>
+            <a:ext cx="8637073" cy="2541435"/>
           </a:xfrm>
           <a:prstGeom prst="rect">
             <a:avLst/>
@@ -4569,7 +4633,7 @@
         <p:spPr>
           <a:xfrm>
             <a:off x="2417779" y="3531203"/>
-            <a:ext cx="8637073" cy="977622"/>
+            <a:ext cx="8637073" cy="977623"/>
           </a:xfrm>
           <a:prstGeom prst="rect">
             <a:avLst/>
@@ -4595,7 +4659,7 @@
         <p:spPr>
           <a:xfrm>
             <a:off x="2417779" y="4313582"/>
-            <a:ext cx="7356441" cy="370841"/>
+            <a:ext cx="7356441" cy="370839"/>
           </a:xfrm>
           <a:prstGeom prst="rect">
             <a:avLst/>
@@ -4610,10 +4674,19 @@
           </a:extLst>
         </p:spPr>
         <p:txBody>
-          <a:bodyPr lIns="45719" rIns="45719">
+          <a:bodyPr lIns="45718" tIns="45718" rIns="45718" bIns="45718">
             <a:spAutoFit/>
           </a:bodyPr>
-          <a:lstStyle/>
+          <a:lstStyle>
+            <a:lvl1pPr>
+              <a:defRPr>
+                <a:latin typeface="+mj-lt"/>
+                <a:ea typeface="+mj-ea"/>
+                <a:cs typeface="+mj-cs"/>
+                <a:sym typeface="Gill Sans MT"/>
+              </a:defRPr>
+            </a:lvl1pPr>
+          </a:lstStyle>
           <a:p>
             <a:pPr/>
             <a:r>
@@ -4687,7 +4760,7 @@
         <p:spPr>
           <a:xfrm>
             <a:off x="1451578" y="2015731"/>
-            <a:ext cx="9603277" cy="3450615"/>
+            <a:ext cx="7198711" cy="3450616"/>
           </a:xfrm>
           <a:prstGeom prst="rect">
             <a:avLst/>
@@ -4695,33 +4768,87 @@
         </p:spPr>
         <p:txBody>
           <a:bodyPr/>
-          <a:lstStyle>
-            <a:lvl1pPr>
+          <a:lstStyle/>
+          <a:p>
+            <a:pPr>
               <a:defRPr sz="3200"/>
-            </a:lvl1pPr>
-            <a:lvl2pPr marL="0" indent="457200">
-              <a:spcBef>
-                <a:spcPts val="500"/>
-              </a:spcBef>
+            </a:pPr>
+            <a:r>
+              <a:t>Goal: </a:t>
+            </a:r>
+          </a:p>
+          <a:p>
+            <a:pPr lvl="3" marL="0" indent="685800">
+              <a:buClrTx/>
               <a:buSzTx/>
+              <a:buFontTx/>
               <a:buNone/>
-              <a:defRPr sz="3000"/>
-            </a:lvl2pPr>
-          </a:lstStyle>
-          <a:p>
-            <a:pPr/>
-            <a:r>
-              <a:t>Goal: </a:t>
-            </a:r>
-          </a:p>
-          <a:p>
-            <a:pPr lvl="1"/>
-            <a:r>
-              <a:t>Help you find friends with similar interests near you via the Twitter API.</a:t>
-            </a:r>
-          </a:p>
-        </p:txBody>
-      </p:sp>
+              <a:defRPr sz="3200"/>
+            </a:pPr>
+            <a:r>
+              <a:t>Find people with similar interests near you via the Twitter API.</a:t>
+            </a:r>
+          </a:p>
+        </p:txBody>
+      </p:sp>
+      <p:pic>
+        <p:nvPicPr>
+          <p:cNvPr id="164" name="Image" descr="Image"/>
+          <p:cNvPicPr>
+            <a:picLocks noChangeAspect="1"/>
+          </p:cNvPicPr>
+          <p:nvPr/>
+        </p:nvPicPr>
+        <p:blipFill>
+          <a:blip r:embed="rId2">
+            <a:extLst/>
+          </a:blip>
+          <a:stretch>
+            <a:fillRect/>
+          </a:stretch>
+        </p:blipFill>
+        <p:spPr>
+          <a:xfrm>
+            <a:off x="8337028" y="2283300"/>
+            <a:ext cx="2984400" cy="3153516"/>
+          </a:xfrm>
+          <a:prstGeom prst="rect">
+            <a:avLst/>
+          </a:prstGeom>
+          <a:ln w="12700">
+            <a:miter lim="400000"/>
+          </a:ln>
+        </p:spPr>
+      </p:pic>
+      <p:pic>
+        <p:nvPicPr>
+          <p:cNvPr id="165" name="Image" descr="Image"/>
+          <p:cNvPicPr>
+            <a:picLocks noChangeAspect="1"/>
+          </p:cNvPicPr>
+          <p:nvPr/>
+        </p:nvPicPr>
+        <p:blipFill>
+          <a:blip r:embed="rId3">
+            <a:extLst/>
+          </a:blip>
+          <a:stretch>
+            <a:fillRect/>
+          </a:stretch>
+        </p:blipFill>
+        <p:spPr>
+          <a:xfrm>
+            <a:off x="8335491" y="2264721"/>
+            <a:ext cx="841473" cy="841473"/>
+          </a:xfrm>
+          <a:prstGeom prst="rect">
+            <a:avLst/>
+          </a:prstGeom>
+          <a:ln w="12700">
+            <a:miter lim="400000"/>
+          </a:ln>
+        </p:spPr>
+      </p:pic>
     </p:spTree>
   </p:cSld>
   <p:clrMapOvr>
@@ -4750,7 +4877,7 @@
       </p:grpSpPr>
       <p:sp>
         <p:nvSpPr>
-          <p:cNvPr id="165" name="Title 1"/>
+          <p:cNvPr id="167" name="Title 1"/>
           <p:cNvSpPr txBox="1"/>
           <p:nvPr>
             <p:ph type="title"/>
@@ -4778,7 +4905,7 @@
       </p:sp>
       <p:sp>
         <p:nvSpPr>
-          <p:cNvPr id="166" name="Content Placeholder 2"/>
+          <p:cNvPr id="168" name="Content Placeholder 2"/>
           <p:cNvSpPr txBox="1"/>
           <p:nvPr>
             <p:ph type="body" sz="half" idx="1"/>
@@ -4787,7 +4914,7 @@
         <p:spPr>
           <a:xfrm>
             <a:off x="1451578" y="2015731"/>
-            <a:ext cx="9603277" cy="3450615"/>
+            <a:ext cx="9603277" cy="3450616"/>
           </a:xfrm>
           <a:prstGeom prst="rect">
             <a:avLst/>
@@ -4850,7 +4977,7 @@
       </p:grpSpPr>
       <p:sp>
         <p:nvSpPr>
-          <p:cNvPr id="168" name="Title 1"/>
+          <p:cNvPr id="170" name="Title 1"/>
           <p:cNvSpPr txBox="1"/>
           <p:nvPr>
             <p:ph type="title"/>
@@ -4871,14 +4998,14 @@
           <a:p>
             <a:pPr/>
             <a:r>
-              <a:t>Core functionality</a:t>
-            </a:r>
-          </a:p>
-        </p:txBody>
-      </p:sp>
-      <p:sp>
-        <p:nvSpPr>
-          <p:cNvPr id="169" name="Content Placeholder 2"/>
+              <a:t>Core functionality, cont.</a:t>
+            </a:r>
+          </a:p>
+        </p:txBody>
+      </p:sp>
+      <p:sp>
+        <p:nvSpPr>
+          <p:cNvPr id="171" name="Content Placeholder 2"/>
           <p:cNvSpPr txBox="1"/>
           <p:nvPr>
             <p:ph type="body" sz="half" idx="1"/>
@@ -4887,7 +5014,7 @@
         <p:spPr>
           <a:xfrm>
             <a:off x="1451578" y="2015731"/>
-            <a:ext cx="9603277" cy="3450615"/>
+            <a:ext cx="9603277" cy="3450616"/>
           </a:xfrm>
           <a:prstGeom prst="rect">
             <a:avLst/>
@@ -4908,17 +5035,41 @@
             <a:pPr>
               <a:defRPr sz="2400"/>
             </a:pPr>
-          </a:p>
-          <a:p>
-            <a:pPr>
-              <a:defRPr sz="2400"/>
-            </a:pPr>
             <a:r>
               <a:t>Program will find interests of these users and match the ones with most similar interests.</a:t>
             </a:r>
           </a:p>
         </p:txBody>
       </p:sp>
+      <p:pic>
+        <p:nvPicPr>
+          <p:cNvPr id="172" name="Image" descr="Image"/>
+          <p:cNvPicPr>
+            <a:picLocks noChangeAspect="1"/>
+          </p:cNvPicPr>
+          <p:nvPr/>
+        </p:nvPicPr>
+        <p:blipFill>
+          <a:blip r:embed="rId2">
+            <a:extLst/>
+          </a:blip>
+          <a:stretch>
+            <a:fillRect/>
+          </a:stretch>
+        </p:blipFill>
+        <p:spPr>
+          <a:xfrm>
+            <a:off x="6808825" y="3532308"/>
+            <a:ext cx="4151275" cy="2335092"/>
+          </a:xfrm>
+          <a:prstGeom prst="rect">
+            <a:avLst/>
+          </a:prstGeom>
+          <a:ln w="12700">
+            <a:miter lim="400000"/>
+          </a:ln>
+        </p:spPr>
+      </p:pic>
     </p:spTree>
   </p:cSld>
   <p:clrMapOvr>
@@ -4947,7 +5098,7 @@
       </p:grpSpPr>
       <p:sp>
         <p:nvSpPr>
-          <p:cNvPr id="171" name="Title 1"/>
+          <p:cNvPr id="174" name="Title 1"/>
           <p:cNvSpPr txBox="1"/>
           <p:nvPr>
             <p:ph type="title"/>
@@ -4975,7 +5126,7 @@
       </p:sp>
       <p:sp>
         <p:nvSpPr>
-          <p:cNvPr id="172" name="Content Placeholder 2"/>
+          <p:cNvPr id="175" name="Content Placeholder 2"/>
           <p:cNvSpPr txBox="1"/>
           <p:nvPr>
             <p:ph type="body" sz="half" idx="1"/>
@@ -4984,7 +5135,7 @@
         <p:spPr>
           <a:xfrm>
             <a:off x="1451578" y="2015731"/>
-            <a:ext cx="9603277" cy="3450615"/>
+            <a:ext cx="9603277" cy="3450616"/>
           </a:xfrm>
           <a:prstGeom prst="rect">
             <a:avLst/>
@@ -5047,7 +5198,7 @@
       </p:grpSpPr>
       <p:sp>
         <p:nvSpPr>
-          <p:cNvPr id="174" name="Title 1"/>
+          <p:cNvPr id="177" name="Title 1"/>
           <p:cNvSpPr txBox="1"/>
           <p:nvPr>
             <p:ph type="title"/>
@@ -5275,7 +5426,7 @@
         <a:solidFill>
           <a:srgbClr val="FFFFFF"/>
         </a:solidFill>
-        <a:ln w="15875" cap="flat">
+        <a:ln w="25400" cap="flat">
           <a:solidFill>
             <a:schemeClr val="accent1"/>
           </a:solidFill>
@@ -5285,7 +5436,7 @@
         <a:effectLst/>
         <a:sp3d/>
       </a:spPr>
-      <a:bodyPr rot="0" spcFirstLastPara="1" vertOverflow="overflow" horzOverflow="overflow" vert="horz" wrap="square" lIns="45719" tIns="45719" rIns="45719" bIns="45719" numCol="1" spcCol="38100" rtlCol="0" anchor="ctr" upright="0">
+      <a:bodyPr rot="0" spcFirstLastPara="1" vertOverflow="overflow" horzOverflow="overflow" vert="horz" wrap="square" lIns="45718" tIns="45718" rIns="45718" bIns="45718" numCol="1" spcCol="38100" rtlCol="0" anchor="ctr" upright="0">
         <a:spAutoFit/>
       </a:bodyPr>
       <a:lstStyle>
@@ -5313,10 +5464,10 @@
             </a:solidFill>
             <a:effectLst/>
             <a:uFillTx/>
-            <a:latin typeface="+mj-lt"/>
-            <a:ea typeface="+mj-ea"/>
-            <a:cs typeface="+mj-cs"/>
-            <a:sym typeface="Gill Sans MT"/>
+            <a:latin typeface="+mn-lt"/>
+            <a:ea typeface="+mn-ea"/>
+            <a:cs typeface="+mn-cs"/>
+            <a:sym typeface="Helvetica"/>
           </a:defRPr>
         </a:defPPr>
         <a:lvl1pPr marL="0" marR="0" indent="0" algn="l" defTabSz="914400" rtl="0" fontAlgn="auto" latinLnBrk="1" hangingPunct="0">
@@ -5564,7 +5715,7 @@
     <a:lnDef>
       <a:spPr>
         <a:noFill/>
-        <a:ln w="15875" cap="flat">
+        <a:ln w="25400" cap="flat">
           <a:solidFill>
             <a:schemeClr val="accent1"/>
           </a:solidFill>
@@ -5856,7 +6007,7 @@
         <a:effectLst/>
         <a:sp3d/>
       </a:spPr>
-      <a:bodyPr rot="0" spcFirstLastPara="1" vertOverflow="overflow" horzOverflow="overflow" vert="horz" wrap="square" lIns="45719" tIns="45719" rIns="45719" bIns="45719" numCol="1" spcCol="38100" rtlCol="0" anchor="t" upright="0">
+      <a:bodyPr rot="0" spcFirstLastPara="1" vertOverflow="overflow" horzOverflow="overflow" vert="horz" wrap="square" lIns="45718" tIns="45718" rIns="45718" bIns="45718" numCol="1" spcCol="38100" rtlCol="0" anchor="t" upright="0">
         <a:spAutoFit/>
       </a:bodyPr>
       <a:lstStyle>
@@ -5884,10 +6035,10 @@
             </a:solidFill>
             <a:effectLst/>
             <a:uFillTx/>
-            <a:latin typeface="+mj-lt"/>
-            <a:ea typeface="+mj-ea"/>
-            <a:cs typeface="+mj-cs"/>
-            <a:sym typeface="Gill Sans MT"/>
+            <a:latin typeface="+mn-lt"/>
+            <a:ea typeface="+mn-ea"/>
+            <a:cs typeface="+mn-cs"/>
+            <a:sym typeface="Helvetica"/>
           </a:defRPr>
         </a:defPPr>
         <a:lvl1pPr marL="0" marR="0" indent="0" algn="l" defTabSz="914400" rtl="0" fontAlgn="auto" latinLnBrk="1" hangingPunct="0">
@@ -6329,7 +6480,7 @@
         <a:solidFill>
           <a:srgbClr val="FFFFFF"/>
         </a:solidFill>
-        <a:ln w="15875" cap="flat">
+        <a:ln w="25400" cap="flat">
           <a:solidFill>
             <a:schemeClr val="accent1"/>
           </a:solidFill>
@@ -6339,7 +6490,7 @@
         <a:effectLst/>
         <a:sp3d/>
       </a:spPr>
-      <a:bodyPr rot="0" spcFirstLastPara="1" vertOverflow="overflow" horzOverflow="overflow" vert="horz" wrap="square" lIns="45719" tIns="45719" rIns="45719" bIns="45719" numCol="1" spcCol="38100" rtlCol="0" anchor="ctr" upright="0">
+      <a:bodyPr rot="0" spcFirstLastPara="1" vertOverflow="overflow" horzOverflow="overflow" vert="horz" wrap="square" lIns="45718" tIns="45718" rIns="45718" bIns="45718" numCol="1" spcCol="38100" rtlCol="0" anchor="ctr" upright="0">
         <a:spAutoFit/>
       </a:bodyPr>
       <a:lstStyle>
@@ -6367,10 +6518,10 @@
             </a:solidFill>
             <a:effectLst/>
             <a:uFillTx/>
-            <a:latin typeface="+mj-lt"/>
-            <a:ea typeface="+mj-ea"/>
-            <a:cs typeface="+mj-cs"/>
-            <a:sym typeface="Gill Sans MT"/>
+            <a:latin typeface="+mn-lt"/>
+            <a:ea typeface="+mn-ea"/>
+            <a:cs typeface="+mn-cs"/>
+            <a:sym typeface="Helvetica"/>
           </a:defRPr>
         </a:defPPr>
         <a:lvl1pPr marL="0" marR="0" indent="0" algn="l" defTabSz="914400" rtl="0" fontAlgn="auto" latinLnBrk="1" hangingPunct="0">
@@ -6618,7 +6769,7 @@
     <a:lnDef>
       <a:spPr>
         <a:noFill/>
-        <a:ln w="15875" cap="flat">
+        <a:ln w="25400" cap="flat">
           <a:solidFill>
             <a:schemeClr val="accent1"/>
           </a:solidFill>
@@ -6910,7 +7061,7 @@
         <a:effectLst/>
         <a:sp3d/>
       </a:spPr>
-      <a:bodyPr rot="0" spcFirstLastPara="1" vertOverflow="overflow" horzOverflow="overflow" vert="horz" wrap="square" lIns="45719" tIns="45719" rIns="45719" bIns="45719" numCol="1" spcCol="38100" rtlCol="0" anchor="t" upright="0">
+      <a:bodyPr rot="0" spcFirstLastPara="1" vertOverflow="overflow" horzOverflow="overflow" vert="horz" wrap="square" lIns="45718" tIns="45718" rIns="45718" bIns="45718" numCol="1" spcCol="38100" rtlCol="0" anchor="t" upright="0">
         <a:spAutoFit/>
       </a:bodyPr>
       <a:lstStyle>
@@ -6938,10 +7089,10 @@
             </a:solidFill>
             <a:effectLst/>
             <a:uFillTx/>
-            <a:latin typeface="+mj-lt"/>
-            <a:ea typeface="+mj-ea"/>
-            <a:cs typeface="+mj-cs"/>
-            <a:sym typeface="Gill Sans MT"/>
+            <a:latin typeface="+mn-lt"/>
+            <a:ea typeface="+mn-ea"/>
+            <a:cs typeface="+mn-cs"/>
+            <a:sym typeface="Helvetica"/>
           </a:defRPr>
         </a:defPPr>
         <a:lvl1pPr marL="0" marR="0" indent="0" algn="l" defTabSz="914400" rtl="0" fontAlgn="auto" latinLnBrk="1" hangingPunct="0">
